--- a/kubernetes/k8s-bulletinboard/04_k8s-bulletinboard.pptx
+++ b/kubernetes/k8s-bulletinboard/04_k8s-bulletinboard.pptx
@@ -8,10 +8,10 @@
     <p:sldMasterId id="2147483827" r:id="rId4"/>
   </p:sldMasterIdLst>
   <p:notesMasterIdLst>
-    <p:notesMasterId r:id="rId14"/>
+    <p:notesMasterId r:id="rId11"/>
   </p:notesMasterIdLst>
   <p:handoutMasterIdLst>
-    <p:handoutMasterId r:id="rId15"/>
+    <p:handoutMasterId r:id="rId12"/>
   </p:handoutMasterIdLst>
   <p:sldIdLst>
     <p:sldId id="433" r:id="rId5"/>
@@ -19,10 +19,7 @@
     <p:sldId id="931" r:id="rId7"/>
     <p:sldId id="922" r:id="rId8"/>
     <p:sldId id="954" r:id="rId9"/>
-    <p:sldId id="450" r:id="rId10"/>
-    <p:sldId id="452" r:id="rId11"/>
-    <p:sldId id="449" r:id="rId12"/>
-    <p:sldId id="265" r:id="rId13"/>
+    <p:sldId id="265" r:id="rId10"/>
   </p:sldIdLst>
   <p:sldSz cx="12195175" cy="6858000"/>
   <p:notesSz cx="6797675" cy="9928225"/>
@@ -918,37 +915,6 @@
       </p:grpSpPr>
       <p:sp>
         <p:nvSpPr>
-          <p:cNvPr id="2" name="Slide Image Placeholder 1"/>
-          <p:cNvSpPr>
-            <a:spLocks noGrp="1" noRot="1" noChangeAspect="1"/>
-          </p:cNvSpPr>
-          <p:nvPr>
-            <p:ph type="sldImg"/>
-          </p:nvPr>
-        </p:nvSpPr>
-        <p:spPr/>
-      </p:sp>
-      <p:sp>
-        <p:nvSpPr>
-          <p:cNvPr id="3" name="Notes Placeholder 2"/>
-          <p:cNvSpPr>
-            <a:spLocks noGrp="1"/>
-          </p:cNvSpPr>
-          <p:nvPr>
-            <p:ph type="body" idx="1"/>
-          </p:nvPr>
-        </p:nvSpPr>
-        <p:spPr/>
-        <p:txBody>
-          <a:bodyPr/>
-          <a:lstStyle/>
-          <a:p>
-            <a:endParaRPr lang="en-US"/>
-          </a:p>
-        </p:txBody>
-      </p:sp>
-      <p:sp>
-        <p:nvSpPr>
           <p:cNvPr id="4" name="Slide Number Placeholder 3"/>
           <p:cNvSpPr>
             <a:spLocks noGrp="1"/>
@@ -962,307 +928,10 @@
           <a:bodyPr/>
           <a:lstStyle/>
           <a:p>
-            <a:pPr marL="0" marR="0" lvl="0" indent="0" algn="ctr" defTabSz="1088776" rtl="0" eaLnBrk="1" fontAlgn="auto" latinLnBrk="0" hangingPunct="1">
-              <a:lnSpc>
-                <a:spcPct val="100000"/>
-              </a:lnSpc>
-              <a:spcBef>
-                <a:spcPts val="0"/>
-              </a:spcBef>
-              <a:spcAft>
-                <a:spcPts val="0"/>
-              </a:spcAft>
-              <a:buClrTx/>
-              <a:buSzTx/>
-              <a:buFontTx/>
-              <a:buNone/>
-              <a:tabLst/>
-              <a:defRPr/>
-            </a:pPr>
-            <a:fld id="{7D8C2C35-2B8A-446E-BEC0-FD36716C29AC}" type="slidenum">
-              <a:rPr kumimoji="0" lang="de-DE" sz="800" b="0" i="0" u="none" strike="noStrike" kern="1200" cap="none" spc="0" normalizeH="0" baseline="0" noProof="0" smtClean="0">
-                <a:ln>
-                  <a:noFill/>
-                </a:ln>
-                <a:solidFill>
-                  <a:srgbClr val="000000"/>
-                </a:solidFill>
-                <a:effectLst/>
-                <a:uLnTx/>
-                <a:uFillTx/>
-                <a:latin typeface="Arial"/>
-                <a:ea typeface="+mn-ea"/>
-                <a:cs typeface="+mn-cs"/>
-              </a:rPr>
-              <a:pPr marL="0" marR="0" lvl="0" indent="0" algn="ctr" defTabSz="1088776" rtl="0" eaLnBrk="1" fontAlgn="auto" latinLnBrk="0" hangingPunct="1">
-                <a:lnSpc>
-                  <a:spcPct val="100000"/>
-                </a:lnSpc>
-                <a:spcBef>
-                  <a:spcPts val="0"/>
-                </a:spcBef>
-                <a:spcAft>
-                  <a:spcPts val="0"/>
-                </a:spcAft>
-                <a:buClrTx/>
-                <a:buSzTx/>
-                <a:buFontTx/>
-                <a:buNone/>
-                <a:tabLst/>
-                <a:defRPr/>
-              </a:pPr>
-              <a:t>7</a:t>
-            </a:fld>
-            <a:endParaRPr kumimoji="0" lang="de-DE" sz="800" b="0" i="0" u="none" strike="noStrike" kern="1200" cap="none" spc="0" normalizeH="0" baseline="0" noProof="0" dirty="0">
-              <a:ln>
-                <a:noFill/>
-              </a:ln>
-              <a:solidFill>
-                <a:srgbClr val="000000"/>
-              </a:solidFill>
-              <a:effectLst/>
-              <a:uLnTx/>
-              <a:uFillTx/>
-              <a:latin typeface="Arial"/>
-              <a:ea typeface="+mn-ea"/>
-              <a:cs typeface="+mn-cs"/>
-            </a:endParaRPr>
-          </a:p>
-        </p:txBody>
-      </p:sp>
-    </p:spTree>
-    <p:extLst>
-      <p:ext uri="{BB962C8B-B14F-4D97-AF65-F5344CB8AC3E}">
-        <p14:creationId xmlns:p14="http://schemas.microsoft.com/office/powerpoint/2010/main" val="1139963899"/>
-      </p:ext>
-    </p:extLst>
-  </p:cSld>
-  <p:clrMapOvr>
-    <a:masterClrMapping/>
-  </p:clrMapOvr>
-</p:notes>
-</file>
-
-<file path=ppt/notesSlides/notesSlide5.xml><?xml version="1.0" encoding="utf-8"?>
-<p:notes xmlns:a="http://schemas.openxmlformats.org/drawingml/2006/main" xmlns:r="http://schemas.openxmlformats.org/officeDocument/2006/relationships" xmlns:p="http://schemas.openxmlformats.org/presentationml/2006/main">
-  <p:cSld>
-    <p:spTree>
-      <p:nvGrpSpPr>
-        <p:cNvPr id="1" name=""/>
-        <p:cNvGrpSpPr/>
-        <p:nvPr/>
-      </p:nvGrpSpPr>
-      <p:grpSpPr>
-        <a:xfrm>
-          <a:off x="0" y="0"/>
-          <a:ext cx="0" cy="0"/>
-          <a:chOff x="0" y="0"/>
-          <a:chExt cx="0" cy="0"/>
-        </a:xfrm>
-      </p:grpSpPr>
-      <p:sp>
-        <p:nvSpPr>
-          <p:cNvPr id="2" name="Slide Image Placeholder 1"/>
-          <p:cNvSpPr>
-            <a:spLocks noGrp="1" noRot="1" noChangeAspect="1"/>
-          </p:cNvSpPr>
-          <p:nvPr>
-            <p:ph type="sldImg"/>
-          </p:nvPr>
-        </p:nvSpPr>
-        <p:spPr/>
-      </p:sp>
-      <p:sp>
-        <p:nvSpPr>
-          <p:cNvPr id="3" name="Notes Placeholder 2"/>
-          <p:cNvSpPr>
-            <a:spLocks noGrp="1"/>
-          </p:cNvSpPr>
-          <p:nvPr>
-            <p:ph type="body" idx="1"/>
-          </p:nvPr>
-        </p:nvSpPr>
-        <p:spPr/>
-        <p:txBody>
-          <a:bodyPr/>
-          <a:lstStyle/>
-          <a:p>
-            <a:pPr marL="342900" indent="-342900">
-              <a:buFontTx/>
-              <a:buChar char="-"/>
-            </a:pPr>
-            <a:r>
-              <a:rPr lang="en-US" dirty="0"/>
-              <a:t>Show all namespaces in cluster</a:t>
-            </a:r>
-          </a:p>
-          <a:p>
-            <a:pPr marL="522900" lvl="1" indent="-342900">
-              <a:buFontTx/>
-              <a:buChar char="-"/>
-            </a:pPr>
-            <a:r>
-              <a:rPr lang="en-US" dirty="0"/>
-              <a:t>If not yet mentioned, explain that everyone has their own namespace. Please be a good citizen and don’t sabotage the others.</a:t>
-            </a:r>
-          </a:p>
-          <a:p>
-            <a:pPr marL="342900" indent="-342900">
-              <a:buFontTx/>
-              <a:buChar char="-"/>
-            </a:pPr>
-            <a:r>
-              <a:rPr lang="en-US" dirty="0"/>
-              <a:t>Query a pod from a dedicated namespace ( e.g. </a:t>
-            </a:r>
-            <a:r>
-              <a:rPr lang="en-US" dirty="0" err="1"/>
-              <a:t>kube</a:t>
-            </a:r>
-            <a:r>
-              <a:rPr lang="en-US" dirty="0"/>
-              <a:t>-system), explain “-n &lt;namespace</a:t>
-            </a:r>
-            <a:r>
-              <a:rPr lang="en-US"/>
-              <a:t>&gt;” flag</a:t>
-            </a:r>
-            <a:endParaRPr lang="en-US" dirty="0"/>
-          </a:p>
-        </p:txBody>
-      </p:sp>
-      <p:sp>
-        <p:nvSpPr>
-          <p:cNvPr id="4" name="Slide Number Placeholder 3"/>
-          <p:cNvSpPr>
-            <a:spLocks noGrp="1"/>
-          </p:cNvSpPr>
-          <p:nvPr>
-            <p:ph type="sldNum" sz="quarter" idx="10"/>
-          </p:nvPr>
-        </p:nvSpPr>
-        <p:spPr/>
-        <p:txBody>
-          <a:bodyPr/>
-          <a:lstStyle/>
-          <a:p>
-            <a:pPr marL="0" marR="0" lvl="0" indent="0" algn="ctr" defTabSz="1088776" rtl="0" eaLnBrk="1" fontAlgn="auto" latinLnBrk="0" hangingPunct="1">
-              <a:lnSpc>
-                <a:spcPct val="100000"/>
-              </a:lnSpc>
-              <a:spcBef>
-                <a:spcPts val="0"/>
-              </a:spcBef>
-              <a:spcAft>
-                <a:spcPts val="0"/>
-              </a:spcAft>
-              <a:buClrTx/>
-              <a:buSzTx/>
-              <a:buFontTx/>
-              <a:buNone/>
-              <a:tabLst/>
-              <a:defRPr/>
-            </a:pPr>
-            <a:fld id="{7D8C2C35-2B8A-446E-BEC0-FD36716C29AC}" type="slidenum">
-              <a:rPr kumimoji="0" lang="de-DE" sz="800" b="0" i="0" u="none" strike="noStrike" kern="1200" cap="none" spc="0" normalizeH="0" baseline="0" noProof="0" smtClean="0">
-                <a:ln>
-                  <a:noFill/>
-                </a:ln>
-                <a:solidFill>
-                  <a:srgbClr val="000000"/>
-                </a:solidFill>
-                <a:effectLst/>
-                <a:uLnTx/>
-                <a:uFillTx/>
-                <a:latin typeface="Arial"/>
-                <a:ea typeface="+mn-ea"/>
-                <a:cs typeface="+mn-cs"/>
-              </a:rPr>
-              <a:pPr marL="0" marR="0" lvl="0" indent="0" algn="ctr" defTabSz="1088776" rtl="0" eaLnBrk="1" fontAlgn="auto" latinLnBrk="0" hangingPunct="1">
-                <a:lnSpc>
-                  <a:spcPct val="100000"/>
-                </a:lnSpc>
-                <a:spcBef>
-                  <a:spcPts val="0"/>
-                </a:spcBef>
-                <a:spcAft>
-                  <a:spcPts val="0"/>
-                </a:spcAft>
-                <a:buClrTx/>
-                <a:buSzTx/>
-                <a:buFontTx/>
-                <a:buNone/>
-                <a:tabLst/>
-                <a:defRPr/>
-              </a:pPr>
-              <a:t>8</a:t>
-            </a:fld>
-            <a:endParaRPr kumimoji="0" lang="de-DE" sz="800" b="0" i="0" u="none" strike="noStrike" kern="1200" cap="none" spc="0" normalizeH="0" baseline="0" noProof="0" dirty="0">
-              <a:ln>
-                <a:noFill/>
-              </a:ln>
-              <a:solidFill>
-                <a:srgbClr val="000000"/>
-              </a:solidFill>
-              <a:effectLst/>
-              <a:uLnTx/>
-              <a:uFillTx/>
-              <a:latin typeface="Arial"/>
-              <a:ea typeface="+mn-ea"/>
-              <a:cs typeface="+mn-cs"/>
-            </a:endParaRPr>
-          </a:p>
-        </p:txBody>
-      </p:sp>
-    </p:spTree>
-    <p:extLst>
-      <p:ext uri="{BB962C8B-B14F-4D97-AF65-F5344CB8AC3E}">
-        <p14:creationId xmlns:p14="http://schemas.microsoft.com/office/powerpoint/2010/main" val="1929201043"/>
-      </p:ext>
-    </p:extLst>
-  </p:cSld>
-  <p:clrMapOvr>
-    <a:masterClrMapping/>
-  </p:clrMapOvr>
-</p:notes>
-</file>
-
-<file path=ppt/notesSlides/notesSlide6.xml><?xml version="1.0" encoding="utf-8"?>
-<p:notes xmlns:a="http://schemas.openxmlformats.org/drawingml/2006/main" xmlns:r="http://schemas.openxmlformats.org/officeDocument/2006/relationships" xmlns:p="http://schemas.openxmlformats.org/presentationml/2006/main">
-  <p:cSld>
-    <p:spTree>
-      <p:nvGrpSpPr>
-        <p:cNvPr id="1" name=""/>
-        <p:cNvGrpSpPr/>
-        <p:nvPr/>
-      </p:nvGrpSpPr>
-      <p:grpSpPr>
-        <a:xfrm>
-          <a:off x="0" y="0"/>
-          <a:ext cx="0" cy="0"/>
-          <a:chOff x="0" y="0"/>
-          <a:chExt cx="0" cy="0"/>
-        </a:xfrm>
-      </p:grpSpPr>
-      <p:sp>
-        <p:nvSpPr>
-          <p:cNvPr id="4" name="Slide Number Placeholder 3"/>
-          <p:cNvSpPr>
-            <a:spLocks noGrp="1"/>
-          </p:cNvSpPr>
-          <p:nvPr>
-            <p:ph type="sldNum" sz="quarter" idx="10"/>
-          </p:nvPr>
-        </p:nvSpPr>
-        <p:spPr/>
-        <p:txBody>
-          <a:bodyPr/>
-          <a:lstStyle/>
-          <a:p>
             <a:fld id="{7D8C2C35-2B8A-446E-BEC0-FD36716C29AC}" type="slidenum">
               <a:rPr lang="de-DE" smtClean="0"/>
               <a:pPr/>
-              <a:t>9</a:t>
+              <a:t>6</a:t>
             </a:fld>
             <a:endParaRPr lang="de-DE" dirty="0"/>
           </a:p>
@@ -4745,14 +4414,6 @@
 <file path=ppt/slideLayouts/slideLayout15.xml><?xml version="1.0" encoding="utf-8"?>
 <p:sldLayout xmlns:a="http://schemas.openxmlformats.org/drawingml/2006/main" xmlns:r="http://schemas.openxmlformats.org/officeDocument/2006/relationships" xmlns:p="http://schemas.openxmlformats.org/presentationml/2006/main" preserve="1" userDrawn="1">
   <p:cSld name="Quote">
-    <p:bg>
-      <p:bgPr>
-        <a:solidFill>
-          <a:schemeClr val="bg1"/>
-        </a:solidFill>
-        <a:effectLst/>
-      </p:bgPr>
-    </p:bg>
     <p:spTree>
       <p:nvGrpSpPr>
         <p:cNvPr id="1" name=""/>
@@ -9661,7 +9322,7 @@
             <a:noFill/>
             <a:extLst>
               <a:ext uri="{909E8E84-426E-40dd-AFC4-6F175D3DCCD1}">
-                <a14:hiddenFill xmlns:a14="http://schemas.microsoft.com/office/drawing/2010/main" xmlns="">
+                <a14:hiddenFill xmlns="" xmlns:a14="http://schemas.microsoft.com/office/drawing/2010/main">
                   <a:solidFill>
                     <a:srgbClr val="FFFFFF"/>
                   </a:solidFill>
@@ -9918,7 +9579,7 @@
             <a:noFill/>
             <a:extLst>
               <a:ext uri="{909E8E84-426E-40dd-AFC4-6F175D3DCCD1}">
-                <a14:hiddenFill xmlns="" xmlns:a14="http://schemas.microsoft.com/office/drawing/2010/main">
+                <a14:hiddenFill xmlns:a14="http://schemas.microsoft.com/office/drawing/2010/main" xmlns="">
                   <a:solidFill>
                     <a:srgbClr val="FFFFFF"/>
                   </a:solidFill>
@@ -18386,7 +18047,7 @@
             <a:noFill/>
             <a:extLst>
               <a:ext uri="{909E8E84-426E-40dd-AFC4-6F175D3DCCD1}">
-                <a14:hiddenFill xmlns:a14="http://schemas.microsoft.com/office/drawing/2010/main" xmlns="">
+                <a14:hiddenFill xmlns="" xmlns:a14="http://schemas.microsoft.com/office/drawing/2010/main">
                   <a:solidFill>
                     <a:srgbClr val="FFFFFF"/>
                   </a:solidFill>
@@ -18643,7 +18304,7 @@
             <a:noFill/>
             <a:extLst>
               <a:ext uri="{909E8E84-426E-40dd-AFC4-6F175D3DCCD1}">
-                <a14:hiddenFill xmlns="" xmlns:a14="http://schemas.microsoft.com/office/drawing/2010/main">
+                <a14:hiddenFill xmlns:a14="http://schemas.microsoft.com/office/drawing/2010/main" xmlns="">
                   <a:solidFill>
                     <a:srgbClr val="FFFFFF"/>
                   </a:solidFill>
@@ -22343,7 +22004,7 @@
             <a:noFill/>
             <a:extLst>
               <a:ext uri="{909E8E84-426E-40dd-AFC4-6F175D3DCCD1}">
-                <a14:hiddenFill xmlns="" xmlns:a14="http://schemas.microsoft.com/office/drawing/2010/main">
+                <a14:hiddenFill xmlns:a14="http://schemas.microsoft.com/office/drawing/2010/main" xmlns="">
                   <a:solidFill>
                     <a:srgbClr val="FFFFFF"/>
                   </a:solidFill>
@@ -22590,7 +22251,7 @@
             <a:noFill/>
             <a:extLst>
               <a:ext uri="{909E8E84-426E-40dd-AFC4-6F175D3DCCD1}">
-                <a14:hiddenFill xmlns:a14="http://schemas.microsoft.com/office/drawing/2010/main" xmlns="">
+                <a14:hiddenFill xmlns="" xmlns:a14="http://schemas.microsoft.com/office/drawing/2010/main">
                   <a:solidFill>
                     <a:srgbClr val="FFFFFF"/>
                   </a:solidFill>
@@ -28318,7 +27979,7 @@
       </p:ext>
     </p:extLst>
   </p:cSld>
-  <p:clrMap bg1="dk1" tx1="lt1" bg2="dk2" tx2="lt2" accent1="accent1" accent2="accent2" accent3="accent3" accent4="accent4" accent5="accent5" accent6="accent6" hlink="hlink" folHlink="folHlink"/>
+  <p:clrMap bg1="lt1" tx1="dk1" bg2="lt2" tx2="dk2" accent1="accent1" accent2="accent2" accent3="accent3" accent4="accent4" accent5="accent5" accent6="accent6" hlink="hlink" folHlink="folHlink"/>
   <p:sldLayoutIdLst>
     <p:sldLayoutId id="2147483772" r:id="rId1"/>
     <p:sldLayoutId id="2147483776" r:id="rId2"/>
@@ -32158,30 +31819,6 @@
       </p:sp>
       <p:pic>
         <p:nvPicPr>
-          <p:cNvPr id="3" name="Picture Placeholder 2"/>
-          <p:cNvPicPr>
-            <a:picLocks noGrp="1" noChangeAspect="1"/>
-          </p:cNvPicPr>
-          <p:nvPr>
-            <p:ph type="pic" sz="quarter" idx="12"/>
-          </p:nvPr>
-        </p:nvPicPr>
-        <p:blipFill>
-          <a:blip r:embed="rId3"/>
-          <a:srcRect t="3112" b="3112"/>
-          <a:stretch>
-            <a:fillRect/>
-          </a:stretch>
-        </p:blipFill>
-        <p:spPr>
-          <a:xfrm>
-            <a:off x="1" y="0"/>
-            <a:ext cx="12195175" cy="3430006"/>
-          </a:xfrm>
-        </p:spPr>
-      </p:pic>
-      <p:pic>
-        <p:nvPicPr>
           <p:cNvPr id="4" name="Picture 3" descr="cid:image003.png@01D31CC6.A08B1C50">
             <a:extLst>
               <a:ext uri="{FF2B5EF4-FFF2-40B4-BE49-F238E27FC236}">
@@ -32195,7 +31832,7 @@
           <p:nvPr/>
         </p:nvPicPr>
         <p:blipFill>
-          <a:blip r:embed="rId4">
+          <a:blip r:embed="rId3">
             <a:extLst>
               <a:ext uri="{28A0092B-C50C-407E-A947-70E740481C1C}">
                 <a14:useLocalDpi xmlns:a14="http://schemas.microsoft.com/office/drawing/2010/main" val="0"/>
@@ -32255,7 +31892,7 @@
           <p:nvPr/>
         </p:nvPicPr>
         <p:blipFill>
-          <a:blip r:embed="rId5"/>
+          <a:blip r:embed="rId4"/>
           <a:stretch>
             <a:fillRect/>
           </a:stretch>
@@ -32270,92 +31907,36 @@
           </a:prstGeom>
         </p:spPr>
       </p:pic>
-      <p:sp>
-        <p:nvSpPr>
-          <p:cNvPr id="2" name="TextBox 1">
+      <p:pic>
+        <p:nvPicPr>
+          <p:cNvPr id="9" name="Illustration" descr="Example of an illustration" title="Illustration for title slide">
             <a:extLst>
               <a:ext uri="{FF2B5EF4-FFF2-40B4-BE49-F238E27FC236}">
-                <a16:creationId xmlns:a16="http://schemas.microsoft.com/office/drawing/2014/main" id="{6D17BB41-A1D3-4E3B-A543-43EF99E7C673}"/>
+                <a16:creationId xmlns:a16="http://schemas.microsoft.com/office/drawing/2014/main" id="{CE7C5CCA-D90A-4EA2-B161-6CC916A03888}"/>
               </a:ext>
             </a:extLst>
           </p:cNvPr>
-          <p:cNvSpPr txBox="1"/>
-          <p:nvPr/>
-        </p:nvSpPr>
-        <p:spPr>
-          <a:xfrm rot="20422960">
-            <a:off x="3321980" y="3016304"/>
-            <a:ext cx="2381388" cy="615553"/>
-          </a:xfrm>
-          <a:prstGeom prst="rect">
-            <a:avLst/>
-          </a:prstGeom>
-          <a:solidFill>
-            <a:schemeClr val="accent1"/>
-          </a:solidFill>
-        </p:spPr>
-        <p:txBody>
-          <a:bodyPr wrap="square" lIns="0" tIns="0" rIns="0" bIns="0" rtlCol="0">
-            <a:spAutoFit/>
-          </a:bodyPr>
-          <a:lstStyle/>
-          <a:p>
-            <a:pPr algn="ctr" fontAlgn="base">
-              <a:spcBef>
-                <a:spcPct val="50000"/>
-              </a:spcBef>
-              <a:spcAft>
-                <a:spcPct val="0"/>
-              </a:spcAft>
-              <a:buClr>
-                <a:srgbClr val="F0AB00"/>
-              </a:buClr>
-              <a:buSzPct val="80000"/>
-            </a:pPr>
-            <a:r>
-              <a:rPr lang="de-DE" sz="2000" kern="0" dirty="0">
-                <a:ea typeface="Arial Unicode MS" pitchFamily="34" charset="-128"/>
-                <a:cs typeface="Arial Unicode MS" pitchFamily="34" charset="-128"/>
-              </a:rPr>
-              <a:t>D R A F T</a:t>
-            </a:r>
-            <a:br>
-              <a:rPr lang="de-DE" sz="2000" kern="0" dirty="0">
-                <a:ea typeface="Arial Unicode MS" pitchFamily="34" charset="-128"/>
-                <a:cs typeface="Arial Unicode MS" pitchFamily="34" charset="-128"/>
-              </a:rPr>
-            </a:br>
-            <a:r>
-              <a:rPr lang="de-DE" sz="2000" kern="0" dirty="0" err="1">
-                <a:ea typeface="Arial Unicode MS" pitchFamily="34" charset="-128"/>
-                <a:cs typeface="Arial Unicode MS" pitchFamily="34" charset="-128"/>
-              </a:rPr>
-              <a:t>Under</a:t>
-            </a:r>
-            <a:r>
-              <a:rPr lang="de-DE" sz="2000" kern="0" dirty="0">
-                <a:ea typeface="Arial Unicode MS" pitchFamily="34" charset="-128"/>
-                <a:cs typeface="Arial Unicode MS" pitchFamily="34" charset="-128"/>
-              </a:rPr>
-              <a:t> </a:t>
-            </a:r>
-            <a:r>
-              <a:rPr lang="de-DE" sz="2000" kern="0" dirty="0" err="1">
-                <a:ea typeface="Arial Unicode MS" pitchFamily="34" charset="-128"/>
-                <a:cs typeface="Arial Unicode MS" pitchFamily="34" charset="-128"/>
-              </a:rPr>
-              <a:t>Construction</a:t>
-            </a:r>
-            <a:r>
-              <a:rPr lang="de-DE" sz="2000" kern="0" dirty="0">
-                <a:ea typeface="Arial Unicode MS" pitchFamily="34" charset="-128"/>
-                <a:cs typeface="Arial Unicode MS" pitchFamily="34" charset="-128"/>
-              </a:rPr>
-              <a:t> !</a:t>
-            </a:r>
-          </a:p>
-        </p:txBody>
-      </p:sp>
+          <p:cNvPicPr>
+            <a:picLocks noGrp="1" noChangeAspect="1"/>
+          </p:cNvPicPr>
+          <p:nvPr>
+            <p:ph type="pic" sz="quarter" idx="12"/>
+          </p:nvPr>
+        </p:nvPicPr>
+        <p:blipFill>
+          <a:blip r:embed="rId5"/>
+          <a:srcRect t="3112" b="3112"/>
+          <a:stretch>
+            <a:fillRect/>
+          </a:stretch>
+        </p:blipFill>
+        <p:spPr bwMode="gray">
+          <a:xfrm>
+            <a:off x="0" y="0"/>
+            <a:ext cx="12195174" cy="3430006"/>
+          </a:xfrm>
+        </p:spPr>
+      </p:pic>
     </p:spTree>
     <p:extLst>
       <p:ext uri="{BB962C8B-B14F-4D97-AF65-F5344CB8AC3E}">
@@ -32407,9 +31988,7 @@
             <a:avLst/>
           </a:prstGeom>
           <a:solidFill>
-            <a:schemeClr val="bg2">
-              <a:alpha val="97000"/>
-            </a:schemeClr>
+            <a:schemeClr val="tx2"/>
           </a:solidFill>
           <a:ln>
             <a:solidFill>
@@ -32479,6 +32058,11 @@
             <a:off x="504001" y="504000"/>
             <a:ext cx="11186476" cy="369332"/>
           </a:xfrm>
+          <a:ln>
+            <a:solidFill>
+              <a:schemeClr val="tx1"/>
+            </a:solidFill>
+          </a:ln>
         </p:spPr>
         <p:txBody>
           <a:bodyPr/>
@@ -32523,6 +32107,11 @@
           <a:prstGeom prst="rect">
             <a:avLst/>
           </a:prstGeom>
+          <a:ln>
+            <a:solidFill>
+              <a:schemeClr val="tx1"/>
+            </a:solidFill>
+          </a:ln>
         </p:spPr>
       </p:pic>
       <p:grpSp>
@@ -32571,9 +32160,7 @@
               </a:schemeClr>
             </a:solidFill>
             <a:ln>
-              <a:solidFill>
-                <a:schemeClr val="bg1"/>
-              </a:solidFill>
+              <a:noFill/>
               <a:headEnd/>
               <a:tailEnd/>
             </a:ln>
@@ -32703,7 +32290,7 @@
           </a:solidFill>
           <a:ln>
             <a:solidFill>
-              <a:schemeClr val="bg1"/>
+              <a:schemeClr val="tx1"/>
             </a:solidFill>
             <a:headEnd/>
             <a:tailEnd/>
@@ -32778,7 +32365,7 @@
           </a:prstGeom>
           <a:ln w="38100">
             <a:solidFill>
-              <a:srgbClr val="E35500"/>
+              <a:schemeClr val="tx1"/>
             </a:solidFill>
             <a:headEnd type="none" w="med" len="med"/>
             <a:tailEnd type="none" w="med" len="med"/>
@@ -32823,7 +32410,7 @@
           </a:prstGeom>
           <a:ln w="38100">
             <a:solidFill>
-              <a:srgbClr val="E35500"/>
+              <a:schemeClr val="tx1"/>
             </a:solidFill>
             <a:headEnd type="none" w="med" len="med"/>
             <a:tailEnd type="none" w="med" len="med"/>
@@ -32885,6 +32472,9 @@
               <a:avLst/>
             </a:prstGeom>
             <a:noFill/>
+            <a:ln>
+              <a:noFill/>
+            </a:ln>
           </p:spPr>
           <p:txBody>
             <a:bodyPr wrap="square" rtlCol="0">
@@ -32948,7 +32538,7 @@
             </a:prstGeom>
             <a:ln w="44450">
               <a:solidFill>
-                <a:srgbClr val="E35500"/>
+                <a:schemeClr val="tx1"/>
               </a:solidFill>
               <a:headEnd type="triangle" w="med" len="med"/>
               <a:tailEnd type="triangle"/>
@@ -32998,6 +32588,9 @@
           <a:prstGeom prst="rect">
             <a:avLst/>
           </a:prstGeom>
+          <a:ln>
+            <a:noFill/>
+          </a:ln>
         </p:spPr>
       </p:pic>
       <p:grpSp>
@@ -33047,7 +32640,7 @@
             </a:solidFill>
             <a:ln>
               <a:solidFill>
-                <a:schemeClr val="bg1"/>
+                <a:schemeClr val="tx1"/>
               </a:solidFill>
               <a:headEnd/>
               <a:tailEnd/>
@@ -33158,6 +32751,10 @@
             <a:prstGeom prst="rect">
               <a:avLst/>
             </a:prstGeom>
+            <a:noFill/>
+            <a:ln>
+              <a:noFill/>
+            </a:ln>
           </p:spPr>
         </p:pic>
       </p:grpSp>
@@ -33189,6 +32786,11 @@
           <a:prstGeom prst="rect">
             <a:avLst/>
           </a:prstGeom>
+          <a:ln>
+            <a:solidFill>
+              <a:schemeClr val="tx1"/>
+            </a:solidFill>
+          </a:ln>
         </p:spPr>
       </p:pic>
       <p:grpSp>
@@ -33239,7 +32841,7 @@
             <a:grpFill/>
             <a:ln>
               <a:solidFill>
-                <a:schemeClr val="bg1"/>
+                <a:schemeClr val="tx1"/>
               </a:solidFill>
               <a:headEnd/>
               <a:tailEnd/>
@@ -33321,7 +32923,7 @@
             <a:grpFill/>
             <a:ln w="9525">
               <a:solidFill>
-                <a:schemeClr val="bg1"/>
+                <a:schemeClr val="tx1"/>
               </a:solidFill>
               <a:headEnd type="none" w="med" len="med"/>
               <a:tailEnd type="none" w="med" len="med"/>
@@ -33408,6 +33010,9 @@
               <a:avLst/>
             </a:prstGeom>
             <a:noFill/>
+            <a:ln>
+              <a:noFill/>
+            </a:ln>
           </p:spPr>
         </p:pic>
       </p:grpSp>
@@ -33436,7 +33041,7 @@
           </a:solidFill>
           <a:ln>
             <a:solidFill>
-              <a:schemeClr val="bg1"/>
+              <a:schemeClr val="tx1"/>
             </a:solidFill>
             <a:headEnd/>
             <a:tailEnd/>
@@ -33558,7 +33163,7 @@
           </a:solidFill>
           <a:ln w="9525">
             <a:solidFill>
-              <a:schemeClr val="bg1"/>
+              <a:schemeClr val="tx1"/>
             </a:solidFill>
             <a:headEnd type="none" w="med" len="med"/>
             <a:tailEnd type="none" w="med" len="med"/>
@@ -33608,6 +33213,9 @@
             <a:avLst/>
           </a:prstGeom>
           <a:noFill/>
+          <a:ln>
+            <a:noFill/>
+          </a:ln>
         </p:spPr>
       </p:pic>
       <p:grpSp>
@@ -33652,7 +33260,7 @@
             </a:prstGeom>
             <a:ln w="9525">
               <a:solidFill>
-                <a:schemeClr val="bg1"/>
+                <a:schemeClr val="tx1"/>
               </a:solidFill>
               <a:headEnd type="none" w="med" len="med"/>
               <a:tailEnd type="none" w="med" len="med"/>
@@ -33698,7 +33306,7 @@
             </a:solidFill>
             <a:ln>
               <a:solidFill>
-                <a:schemeClr val="bg1"/>
+                <a:schemeClr val="tx1"/>
               </a:solidFill>
               <a:headEnd/>
               <a:tailEnd/>
@@ -33772,10 +33380,10 @@
             <p:nvPr/>
           </p:nvPicPr>
           <p:blipFill>
-            <a:blip r:embed="rId7">
+            <a:blip r:embed="rId9">
               <a:extLst>
                 <a:ext uri="{96DAC541-7B7A-43D3-8B79-37D633B846F1}">
-                  <asvg:svgBlip xmlns:asvg="http://schemas.microsoft.com/office/drawing/2016/SVG/main" r:embed="rId9"/>
+                  <asvg:svgBlip xmlns:asvg="http://schemas.microsoft.com/office/drawing/2016/SVG/main" r:embed="rId10"/>
                 </a:ext>
               </a:extLst>
             </a:blip>
@@ -33821,6 +33429,11 @@
             <a:prstGeom prst="rect">
               <a:avLst/>
             </a:prstGeom>
+            <a:ln>
+              <a:solidFill>
+                <a:schemeClr val="tx1"/>
+              </a:solidFill>
+            </a:ln>
           </p:spPr>
         </p:pic>
       </p:grpSp>
@@ -33893,7 +33506,7 @@
               <a:grpFill/>
               <a:ln>
                 <a:solidFill>
-                  <a:schemeClr val="bg1"/>
+                  <a:schemeClr val="tx1"/>
                 </a:solidFill>
                 <a:headEnd/>
                 <a:tailEnd/>
@@ -33975,7 +33588,7 @@
               <a:grpFill/>
               <a:ln w="9525">
                 <a:solidFill>
-                  <a:schemeClr val="bg1"/>
+                  <a:schemeClr val="tx1"/>
                 </a:solidFill>
                 <a:headEnd type="none" w="med" len="med"/>
                 <a:tailEnd type="none" w="med" len="med"/>
@@ -34062,6 +33675,9 @@
               <a:avLst/>
             </a:prstGeom>
             <a:noFill/>
+            <a:ln>
+              <a:noFill/>
+            </a:ln>
           </p:spPr>
         </p:pic>
       </p:grpSp>
@@ -34092,7 +33708,7 @@
           </a:solidFill>
           <a:ln>
             <a:solidFill>
-              <a:schemeClr val="bg1"/>
+              <a:schemeClr val="tx1"/>
             </a:solidFill>
             <a:headEnd/>
             <a:tailEnd/>
@@ -34225,6 +33841,9 @@
           <a:prstGeom prst="rect">
             <a:avLst/>
           </a:prstGeom>
+          <a:ln>
+            <a:noFill/>
+          </a:ln>
         </p:spPr>
       </p:pic>
       <p:sp>
@@ -34252,7 +33871,7 @@
           </a:solidFill>
           <a:ln>
             <a:solidFill>
-              <a:schemeClr val="bg1"/>
+              <a:schemeClr val="tx1"/>
             </a:solidFill>
             <a:headEnd/>
             <a:tailEnd/>
@@ -34385,6 +34004,9 @@
           <a:prstGeom prst="rect">
             <a:avLst/>
           </a:prstGeom>
+          <a:ln>
+            <a:noFill/>
+          </a:ln>
         </p:spPr>
       </p:pic>
       <p:sp>
@@ -34408,13 +34030,11 @@
             <a:avLst/>
           </a:prstGeom>
           <a:solidFill>
-            <a:schemeClr val="tx1">
-              <a:lumMod val="50000"/>
-            </a:schemeClr>
+            <a:schemeClr val="bg2"/>
           </a:solidFill>
           <a:ln>
             <a:solidFill>
-              <a:schemeClr val="bg1"/>
+              <a:schemeClr val="tx1"/>
             </a:solidFill>
             <a:headEnd/>
             <a:tailEnd/>
@@ -34547,6 +34167,9 @@
           <a:prstGeom prst="rect">
             <a:avLst/>
           </a:prstGeom>
+          <a:ln>
+            <a:noFill/>
+          </a:ln>
         </p:spPr>
       </p:pic>
       <p:sp>
@@ -34577,7 +34200,7 @@
           </a:solidFill>
           <a:ln>
             <a:solidFill>
-              <a:schemeClr val="bg1"/>
+              <a:schemeClr val="tx1"/>
             </a:solidFill>
             <a:headEnd/>
             <a:tailEnd/>
@@ -34650,7 +34273,7 @@
           </a:solidFill>
           <a:ln>
             <a:solidFill>
-              <a:schemeClr val="bg1"/>
+              <a:schemeClr val="tx1"/>
             </a:solidFill>
             <a:headEnd/>
             <a:tailEnd/>
@@ -34726,7 +34349,7 @@
           <p:nvPr/>
         </p:nvPicPr>
         <p:blipFill>
-          <a:blip r:embed="rId10" cstate="print">
+          <a:blip r:embed="rId11" cstate="print">
             <a:extLst>
               <a:ext uri="{28A0092B-C50C-407E-A947-70E740481C1C}">
                 <a14:useLocalDpi xmlns:a14="http://schemas.microsoft.com/office/drawing/2010/main" val="0"/>
@@ -34745,6 +34368,9 @@
           <a:prstGeom prst="rect">
             <a:avLst/>
           </a:prstGeom>
+          <a:ln>
+            <a:noFill/>
+          </a:ln>
         </p:spPr>
       </p:pic>
       <p:sp>
@@ -34831,7 +34457,7 @@
           </a:solidFill>
           <a:ln>
             <a:solidFill>
-              <a:schemeClr val="bg1"/>
+              <a:schemeClr val="tx1"/>
             </a:solidFill>
             <a:headEnd/>
             <a:tailEnd/>
@@ -34906,7 +34532,7 @@
           </a:solidFill>
           <a:ln>
             <a:solidFill>
-              <a:schemeClr val="bg1"/>
+              <a:schemeClr val="tx1"/>
             </a:solidFill>
             <a:headEnd/>
             <a:tailEnd/>
@@ -34981,7 +34607,7 @@
           </a:solidFill>
           <a:ln>
             <a:solidFill>
-              <a:schemeClr val="bg1"/>
+              <a:schemeClr val="tx1"/>
             </a:solidFill>
             <a:headEnd/>
             <a:tailEnd/>
@@ -35056,9 +34682,7 @@
           </a:solidFill>
           <a:ln>
             <a:solidFill>
-              <a:schemeClr val="bg2">
-                <a:lumMod val="50000"/>
-              </a:schemeClr>
+              <a:schemeClr val="tx1"/>
             </a:solidFill>
             <a:headEnd/>
             <a:tailEnd/>
@@ -35173,7 +34797,7 @@
           <p:nvPr/>
         </p:nvPicPr>
         <p:blipFill>
-          <a:blip r:embed="rId10" cstate="print">
+          <a:blip r:embed="rId11" cstate="print">
             <a:extLst>
               <a:ext uri="{28A0092B-C50C-407E-A947-70E740481C1C}">
                 <a14:useLocalDpi xmlns:a14="http://schemas.microsoft.com/office/drawing/2010/main" val="0"/>
@@ -35192,6 +34816,9 @@
           <a:prstGeom prst="rect">
             <a:avLst/>
           </a:prstGeom>
+          <a:ln>
+            <a:noFill/>
+          </a:ln>
         </p:spPr>
       </p:pic>
       <p:sp>
@@ -35293,11 +34920,7 @@
             </a:prstGeom>
             <a:noFill/>
             <a:ln>
-              <a:solidFill>
-                <a:schemeClr val="bg2">
-                  <a:lumMod val="50000"/>
-                </a:schemeClr>
-              </a:solidFill>
+              <a:noFill/>
             </a:ln>
           </p:spPr>
           <p:txBody>
@@ -35392,9 +35015,7 @@
             </a:prstGeom>
             <a:ln w="44450">
               <a:solidFill>
-                <a:schemeClr val="bg2">
-                  <a:lumMod val="50000"/>
-                </a:schemeClr>
+                <a:schemeClr val="tx1"/>
               </a:solidFill>
               <a:headEnd type="triangle" w="med" len="med"/>
               <a:tailEnd type="triangle"/>
@@ -35443,7 +35064,7 @@
           </a:solidFill>
           <a:ln>
             <a:solidFill>
-              <a:schemeClr val="bg1"/>
+              <a:schemeClr val="tx1"/>
             </a:solidFill>
             <a:headEnd/>
             <a:tailEnd/>
@@ -35518,9 +35139,7 @@
           </a:solidFill>
           <a:ln>
             <a:solidFill>
-              <a:schemeClr val="bg2">
-                <a:lumMod val="50000"/>
-              </a:schemeClr>
+              <a:schemeClr val="tx1"/>
             </a:solidFill>
             <a:headEnd/>
             <a:tailEnd/>
@@ -35595,7 +35214,7 @@
           <p:nvPr/>
         </p:nvPicPr>
         <p:blipFill>
-          <a:blip r:embed="rId10" cstate="print">
+          <a:blip r:embed="rId11" cstate="print">
             <a:extLst>
               <a:ext uri="{28A0092B-C50C-407E-A947-70E740481C1C}">
                 <a14:useLocalDpi xmlns:a14="http://schemas.microsoft.com/office/drawing/2010/main" val="0"/>
@@ -35614,6 +35233,9 @@
           <a:prstGeom prst="rect">
             <a:avLst/>
           </a:prstGeom>
+          <a:ln>
+            <a:noFill/>
+          </a:ln>
         </p:spPr>
       </p:pic>
       <p:cxnSp>
@@ -35642,9 +35264,7 @@
           </a:prstGeom>
           <a:ln w="38100">
             <a:solidFill>
-              <a:schemeClr val="bg2">
-                <a:lumMod val="50000"/>
-              </a:schemeClr>
+              <a:schemeClr val="tx1"/>
             </a:solidFill>
             <a:headEnd type="none" w="med" len="med"/>
             <a:tailEnd type="none" w="med" len="med"/>
@@ -35770,7 +35390,7 @@
             <a:grpFill/>
             <a:ln>
               <a:solidFill>
-                <a:schemeClr val="bg1"/>
+                <a:schemeClr val="tx1"/>
               </a:solidFill>
               <a:headEnd/>
               <a:tailEnd/>
@@ -35849,7 +35469,10 @@
             <a:prstGeom prst="rect">
               <a:avLst/>
             </a:prstGeom>
-            <a:grpFill/>
+            <a:noFill/>
+            <a:ln>
+              <a:noFill/>
+            </a:ln>
           </p:spPr>
         </p:pic>
       </p:grpSp>
@@ -35874,11 +35497,11 @@
             <a:avLst/>
           </a:prstGeom>
           <a:solidFill>
-            <a:srgbClr val="595959"/>
+            <a:schemeClr val="bg1"/>
           </a:solidFill>
           <a:ln>
             <a:solidFill>
-              <a:schemeClr val="bg1"/>
+              <a:schemeClr val="tx1"/>
             </a:solidFill>
             <a:headEnd/>
             <a:tailEnd/>
@@ -35946,9 +35569,12 @@
           <a:prstGeom prst="can">
             <a:avLst/>
           </a:prstGeom>
+          <a:solidFill>
+            <a:schemeClr val="tx2"/>
+          </a:solidFill>
           <a:ln>
             <a:solidFill>
-              <a:schemeClr val="bg1"/>
+              <a:schemeClr val="tx1"/>
             </a:solidFill>
             <a:headEnd/>
             <a:tailEnd/>
@@ -36013,7 +35639,7 @@
           <p:nvPr/>
         </p:nvPicPr>
         <p:blipFill>
-          <a:blip r:embed="rId10" cstate="print">
+          <a:blip r:embed="rId11" cstate="print">
             <a:extLst>
               <a:ext uri="{28A0092B-C50C-407E-A947-70E740481C1C}">
                 <a14:useLocalDpi xmlns:a14="http://schemas.microsoft.com/office/drawing/2010/main" val="0"/>
@@ -36032,6 +35658,9 @@
           <a:prstGeom prst="rect">
             <a:avLst/>
           </a:prstGeom>
+          <a:ln>
+            <a:noFill/>
+          </a:ln>
         </p:spPr>
       </p:pic>
       <p:cxnSp>
@@ -36060,7 +35689,7 @@
           </a:prstGeom>
           <a:ln w="38100">
             <a:solidFill>
-              <a:srgbClr val="E35500"/>
+              <a:schemeClr val="tx1"/>
             </a:solidFill>
             <a:headEnd type="none" w="med" len="med"/>
             <a:tailEnd type="none" w="med" len="med"/>
@@ -36106,7 +35735,7 @@
           </a:solidFill>
           <a:ln>
             <a:solidFill>
-              <a:schemeClr val="bg1"/>
+              <a:schemeClr val="tx1"/>
             </a:solidFill>
             <a:headEnd/>
             <a:tailEnd/>
@@ -36262,7 +35891,7 @@
             <a:grpFill/>
             <a:ln>
               <a:solidFill>
-                <a:schemeClr val="bg1"/>
+                <a:schemeClr val="tx1"/>
               </a:solidFill>
               <a:headEnd/>
               <a:tailEnd/>
@@ -36338,7 +35967,7 @@
             <a:grpFill/>
             <a:ln w="9525">
               <a:solidFill>
-                <a:schemeClr val="bg1"/>
+                <a:schemeClr val="tx1"/>
               </a:solidFill>
               <a:headEnd type="none" w="med" len="med"/>
               <a:tailEnd type="none" w="med" len="med"/>
@@ -36388,6 +36017,9 @@
               <a:avLst/>
             </a:prstGeom>
             <a:noFill/>
+            <a:ln>
+              <a:noFill/>
+            </a:ln>
           </p:spPr>
         </p:pic>
         <p:sp>
@@ -36413,7 +36045,7 @@
             <a:grpFill/>
             <a:ln>
               <a:solidFill>
-                <a:schemeClr val="bg1"/>
+                <a:schemeClr val="tx1"/>
               </a:solidFill>
               <a:headEnd/>
               <a:tailEnd/>
@@ -36489,7 +36121,7 @@
             <a:grpFill/>
             <a:ln w="9525">
               <a:solidFill>
-                <a:schemeClr val="bg1"/>
+                <a:schemeClr val="tx1"/>
               </a:solidFill>
               <a:headEnd type="none" w="med" len="med"/>
               <a:tailEnd type="none" w="med" len="med"/>
@@ -36539,6 +36171,9 @@
               <a:avLst/>
             </a:prstGeom>
             <a:noFill/>
+            <a:ln>
+              <a:noFill/>
+            </a:ln>
           </p:spPr>
         </p:pic>
       </p:grpSp>
@@ -36587,7 +36222,7 @@
             </a:solidFill>
             <a:ln>
               <a:solidFill>
-                <a:schemeClr val="bg1"/>
+                <a:schemeClr val="tx1"/>
               </a:solidFill>
               <a:headEnd/>
               <a:tailEnd/>
@@ -36666,6 +36301,11 @@
             <a:prstGeom prst="rect">
               <a:avLst/>
             </a:prstGeom>
+            <a:ln>
+              <a:solidFill>
+                <a:schemeClr val="tx1"/>
+              </a:solidFill>
+            </a:ln>
           </p:spPr>
         </p:pic>
         <p:cxnSp>
@@ -36692,7 +36332,7 @@
             </a:prstGeom>
             <a:ln w="9525">
               <a:solidFill>
-                <a:schemeClr val="bg1"/>
+                <a:schemeClr val="tx1"/>
               </a:solidFill>
               <a:headEnd type="none" w="med" len="med"/>
               <a:tailEnd type="none" w="med" len="med"/>
@@ -36762,7 +36402,7 @@
             <a:grpFill/>
             <a:ln>
               <a:solidFill>
-                <a:schemeClr val="bg1"/>
+                <a:schemeClr val="tx1"/>
               </a:solidFill>
               <a:headEnd/>
               <a:tailEnd/>
@@ -36838,7 +36478,7 @@
             <a:grpFill/>
             <a:ln w="9525">
               <a:solidFill>
-                <a:schemeClr val="bg1"/>
+                <a:schemeClr val="tx1"/>
               </a:solidFill>
               <a:headEnd type="none" w="med" len="med"/>
               <a:tailEnd type="none" w="med" len="med"/>
@@ -36888,6 +36528,9 @@
               <a:avLst/>
             </a:prstGeom>
             <a:noFill/>
+            <a:ln>
+              <a:noFill/>
+            </a:ln>
           </p:spPr>
         </p:pic>
         <p:sp>
@@ -36913,7 +36556,7 @@
             <a:grpFill/>
             <a:ln>
               <a:solidFill>
-                <a:schemeClr val="bg1"/>
+                <a:schemeClr val="tx1"/>
               </a:solidFill>
               <a:headEnd/>
               <a:tailEnd/>
@@ -36989,7 +36632,7 @@
             <a:grpFill/>
             <a:ln w="9525">
               <a:solidFill>
-                <a:schemeClr val="bg1"/>
+                <a:schemeClr val="tx1"/>
               </a:solidFill>
               <a:headEnd type="none" w="med" len="med"/>
               <a:tailEnd type="none" w="med" len="med"/>
@@ -37039,6 +36682,9 @@
               <a:avLst/>
             </a:prstGeom>
             <a:noFill/>
+            <a:ln>
+              <a:noFill/>
+            </a:ln>
           </p:spPr>
         </p:pic>
       </p:grpSp>
@@ -37067,7 +36713,7 @@
           </a:solidFill>
           <a:ln>
             <a:solidFill>
-              <a:schemeClr val="bg1"/>
+              <a:schemeClr val="tx1"/>
             </a:solidFill>
             <a:headEnd/>
             <a:tailEnd/>
@@ -37147,7 +36793,7 @@
           </a:solidFill>
           <a:ln w="9525">
             <a:solidFill>
-              <a:schemeClr val="bg1"/>
+              <a:schemeClr val="tx1"/>
             </a:solidFill>
             <a:headEnd type="none" w="med" len="med"/>
             <a:tailEnd type="none" w="med" len="med"/>
@@ -37197,6 +36843,9 @@
             <a:avLst/>
           </a:prstGeom>
           <a:noFill/>
+          <a:ln>
+            <a:noFill/>
+          </a:ln>
         </p:spPr>
       </p:pic>
       <p:sp>
@@ -37227,7 +36876,7 @@
           </a:solidFill>
           <a:ln>
             <a:solidFill>
-              <a:schemeClr val="bg1"/>
+              <a:schemeClr val="tx1"/>
             </a:solidFill>
             <a:headEnd/>
             <a:tailEnd/>
@@ -37307,7 +36956,7 @@
           </a:solidFill>
           <a:ln w="9525">
             <a:solidFill>
-              <a:schemeClr val="bg1"/>
+              <a:schemeClr val="tx1"/>
             </a:solidFill>
             <a:headEnd type="none" w="med" len="med"/>
             <a:tailEnd type="none" w="med" len="med"/>
@@ -37357,6 +37006,9 @@
             <a:avLst/>
           </a:prstGeom>
           <a:noFill/>
+          <a:ln>
+            <a:noFill/>
+          </a:ln>
         </p:spPr>
       </p:pic>
       <p:pic>
@@ -37374,10 +37026,10 @@
           <p:nvPr/>
         </p:nvPicPr>
         <p:blipFill>
-          <a:blip r:embed="rId11">
+          <a:blip r:embed="rId12">
             <a:extLst>
               <a:ext uri="{96DAC541-7B7A-43D3-8B79-37D633B846F1}">
-                <asvg:svgBlip xmlns:asvg="http://schemas.microsoft.com/office/drawing/2016/SVG/main" r:embed="rId12"/>
+                <asvg:svgBlip xmlns:asvg="http://schemas.microsoft.com/office/drawing/2016/SVG/main" r:embed="rId13"/>
               </a:ext>
             </a:extLst>
           </a:blip>
@@ -37418,7 +37070,7 @@
           <a:noFill/>
           <a:ln w="19050" algn="ctr">
             <a:solidFill>
-              <a:srgbClr val="00B050"/>
+              <a:schemeClr val="tx1"/>
             </a:solidFill>
             <a:prstDash val="dash"/>
             <a:miter lim="800000"/>
@@ -37480,6 +37132,9 @@
             <a:avLst/>
           </a:prstGeom>
           <a:noFill/>
+          <a:ln>
+            <a:noFill/>
+          </a:ln>
         </p:spPr>
         <p:txBody>
           <a:bodyPr wrap="square" lIns="0" tIns="0" rIns="0" bIns="0" rtlCol="0">
@@ -37536,7 +37191,7 @@
           <a:noFill/>
           <a:ln w="19050" algn="ctr">
             <a:solidFill>
-              <a:srgbClr val="00B050"/>
+              <a:schemeClr val="tx1"/>
             </a:solidFill>
             <a:prstDash val="dash"/>
             <a:miter lim="800000"/>
@@ -37598,6 +37253,9 @@
             <a:avLst/>
           </a:prstGeom>
           <a:noFill/>
+          <a:ln>
+            <a:noFill/>
+          </a:ln>
         </p:spPr>
         <p:txBody>
           <a:bodyPr wrap="square" lIns="0" tIns="0" rIns="0" bIns="0" rtlCol="0">
@@ -37659,6 +37317,9 @@
           <a:prstGeom prst="rect">
             <a:avLst/>
           </a:prstGeom>
+          <a:ln>
+            <a:noFill/>
+          </a:ln>
         </p:spPr>
       </p:pic>
       <p:pic>
@@ -37689,6 +37350,9 @@
           <a:prstGeom prst="rect">
             <a:avLst/>
           </a:prstGeom>
+          <a:ln>
+            <a:noFill/>
+          </a:ln>
         </p:spPr>
       </p:pic>
       <p:sp>
@@ -37714,7 +37378,7 @@
           <a:noFill/>
           <a:ln w="19050" algn="ctr">
             <a:solidFill>
-              <a:srgbClr val="FF0000"/>
+              <a:schemeClr val="tx1"/>
             </a:solidFill>
             <a:prstDash val="dash"/>
             <a:miter lim="800000"/>
@@ -37776,13 +37440,11 @@
             <a:avLst/>
           </a:prstGeom>
           <a:solidFill>
-            <a:schemeClr val="tx1">
-              <a:lumMod val="95000"/>
-            </a:schemeClr>
+            <a:schemeClr val="bg1"/>
           </a:solidFill>
           <a:ln w="12700" algn="ctr">
             <a:solidFill>
-              <a:srgbClr val="FF0000"/>
+              <a:schemeClr val="tx1"/>
             </a:solidFill>
             <a:miter lim="800000"/>
             <a:headEnd/>
@@ -37837,7 +37499,7 @@
           <p:nvPr/>
         </p:nvPicPr>
         <p:blipFill rotWithShape="1">
-          <a:blip r:embed="rId13"/>
+          <a:blip r:embed="rId14"/>
           <a:srcRect l="22882" t="-6962" r="23394" b="-3363"/>
           <a:stretch/>
         </p:blipFill>
@@ -37849,6 +37511,9 @@
           <a:prstGeom prst="rect">
             <a:avLst/>
           </a:prstGeom>
+          <a:ln>
+            <a:noFill/>
+          </a:ln>
         </p:spPr>
       </p:pic>
       <p:pic>
@@ -37879,6 +37544,9 @@
           <a:prstGeom prst="rect">
             <a:avLst/>
           </a:prstGeom>
+          <a:ln>
+            <a:noFill/>
+          </a:ln>
         </p:spPr>
       </p:pic>
       <p:pic>
@@ -37909,6 +37577,9 @@
           <a:prstGeom prst="rect">
             <a:avLst/>
           </a:prstGeom>
+          <a:ln>
+            <a:noFill/>
+          </a:ln>
         </p:spPr>
       </p:pic>
       <p:pic>
@@ -37939,6 +37610,9 @@
           <a:prstGeom prst="rect">
             <a:avLst/>
           </a:prstGeom>
+          <a:ln>
+            <a:noFill/>
+          </a:ln>
         </p:spPr>
       </p:pic>
       <p:pic>
@@ -37969,6 +37643,9 @@
           <a:prstGeom prst="rect">
             <a:avLst/>
           </a:prstGeom>
+          <a:ln>
+            <a:noFill/>
+          </a:ln>
         </p:spPr>
       </p:pic>
     </p:spTree>
@@ -40153,7 +39830,7 @@
             <a:avLst/>
           </a:prstGeom>
           <a:solidFill>
-            <a:srgbClr val="7F7F7F"/>
+            <a:schemeClr val="tx2"/>
           </a:solidFill>
           <a:ln>
             <a:solidFill>
@@ -40313,9 +39990,7 @@
             <a:avLst/>
           </a:prstGeom>
           <a:solidFill>
-            <a:schemeClr val="tx1">
-              <a:lumMod val="50000"/>
-            </a:schemeClr>
+            <a:schemeClr val="tx2"/>
           </a:solidFill>
           <a:ln>
             <a:solidFill>
@@ -40751,11 +40426,7 @@
             </a:prstGeom>
             <a:noFill/>
             <a:ln>
-              <a:solidFill>
-                <a:schemeClr val="bg2">
-                  <a:lumMod val="50000"/>
-                </a:schemeClr>
-              </a:solidFill>
+              <a:noFill/>
             </a:ln>
           </p:spPr>
           <p:txBody>
@@ -40894,7 +40565,7 @@
             <a:avLst/>
           </a:prstGeom>
           <a:solidFill>
-            <a:srgbClr val="595959"/>
+            <a:schemeClr val="bg1"/>
           </a:solidFill>
           <a:ln>
             <a:solidFill>
@@ -40966,6 +40637,9 @@
           <a:prstGeom prst="can">
             <a:avLst/>
           </a:prstGeom>
+          <a:solidFill>
+            <a:schemeClr val="tx2"/>
+          </a:solidFill>
           <a:ln>
             <a:solidFill>
               <a:schemeClr val="bg1"/>
@@ -41006,12 +40680,18 @@
             </a:pPr>
             <a:r>
               <a:rPr lang="de-DE" sz="1400" kern="0" dirty="0" err="1">
+                <a:solidFill>
+                  <a:schemeClr val="tx1"/>
+                </a:solidFill>
                 <a:ea typeface="Arial Unicode MS" pitchFamily="34" charset="-128"/>
                 <a:cs typeface="Arial Unicode MS" pitchFamily="34" charset="-128"/>
               </a:rPr>
               <a:t>postgresql</a:t>
             </a:r>
             <a:endParaRPr lang="de-DE" sz="1400" kern="0" dirty="0">
+              <a:solidFill>
+                <a:schemeClr val="tx1"/>
+              </a:solidFill>
               <a:ea typeface="Arial Unicode MS" pitchFamily="34" charset="-128"/>
               <a:cs typeface="Arial Unicode MS" pitchFamily="34" charset="-128"/>
             </a:endParaRPr>
@@ -41699,11 +41379,7 @@
           <a:prstGeom prst="ellipse">
             <a:avLst/>
           </a:prstGeom>
-          <a:solidFill>
-            <a:schemeClr val="tx1">
-              <a:lumMod val="95000"/>
-            </a:schemeClr>
-          </a:solidFill>
+          <a:noFill/>
           <a:ln w="12700" algn="ctr">
             <a:solidFill>
               <a:srgbClr val="C00000"/>
@@ -42322,11 +41998,7 @@
           <a:prstGeom prst="verticalScroll">
             <a:avLst/>
           </a:prstGeom>
-          <a:solidFill>
-            <a:schemeClr val="tx1">
-              <a:lumMod val="75000"/>
-            </a:schemeClr>
-          </a:solidFill>
+          <a:noFill/>
           <a:ln w="19050" algn="ctr">
             <a:solidFill>
               <a:srgbClr val="C00000"/>
@@ -42360,18 +42032,12 @@
             </a:pPr>
             <a:r>
               <a:rPr lang="en-US" sz="1600" kern="0" dirty="0" err="1">
-                <a:solidFill>
-                  <a:schemeClr val="bg1"/>
-                </a:solidFill>
                 <a:ea typeface="Arial Unicode MS" pitchFamily="34" charset="-128"/>
                 <a:cs typeface="Arial Unicode MS" pitchFamily="34" charset="-128"/>
               </a:rPr>
               <a:t>ConfigMap</a:t>
             </a:r>
             <a:endParaRPr lang="en-US" sz="1600" kern="0" dirty="0">
-              <a:solidFill>
-                <a:schemeClr val="bg1"/>
-              </a:solidFill>
               <a:ea typeface="Arial Unicode MS" pitchFamily="34" charset="-128"/>
               <a:cs typeface="Arial Unicode MS" pitchFamily="34" charset="-128"/>
             </a:endParaRPr>
@@ -42400,9 +42066,6 @@
                 <a:ln>
                   <a:noFill/>
                 </a:ln>
-                <a:solidFill>
-                  <a:schemeClr val="bg1"/>
-                </a:solidFill>
                 <a:effectLst/>
                 <a:uLnTx/>
                 <a:uFillTx/>
@@ -42433,9 +42096,6 @@
             </a:pPr>
             <a:r>
               <a:rPr lang="en-US" sz="1600" kern="0" dirty="0">
-                <a:solidFill>
-                  <a:schemeClr val="bg1"/>
-                </a:solidFill>
                 <a:ea typeface="Arial Unicode MS" pitchFamily="34" charset="-128"/>
                 <a:cs typeface="Arial Unicode MS" pitchFamily="34" charset="-128"/>
               </a:rPr>
@@ -42445,9 +42105,6 @@
               <a:ln>
                 <a:noFill/>
               </a:ln>
-              <a:solidFill>
-                <a:schemeClr val="bg1"/>
-              </a:solidFill>
               <a:effectLst/>
               <a:uLnTx/>
               <a:uFillTx/>
@@ -42477,11 +42134,7 @@
           <a:prstGeom prst="verticalScroll">
             <a:avLst/>
           </a:prstGeom>
-          <a:solidFill>
-            <a:schemeClr val="tx1">
-              <a:lumMod val="75000"/>
-            </a:schemeClr>
-          </a:solidFill>
+          <a:noFill/>
           <a:ln w="19050" algn="ctr">
             <a:solidFill>
               <a:srgbClr val="C00000"/>
@@ -42515,18 +42168,12 @@
             </a:pPr>
             <a:r>
               <a:rPr lang="en-US" sz="1600" kern="0" dirty="0" err="1">
-                <a:solidFill>
-                  <a:schemeClr val="bg1"/>
-                </a:solidFill>
                 <a:ea typeface="Arial Unicode MS" pitchFamily="34" charset="-128"/>
                 <a:cs typeface="Arial Unicode MS" pitchFamily="34" charset="-128"/>
               </a:rPr>
               <a:t>ConfigMap</a:t>
             </a:r>
             <a:endParaRPr lang="en-US" sz="1600" kern="0" dirty="0">
-              <a:solidFill>
-                <a:schemeClr val="bg1"/>
-              </a:solidFill>
               <a:ea typeface="Arial Unicode MS" pitchFamily="34" charset="-128"/>
               <a:cs typeface="Arial Unicode MS" pitchFamily="34" charset="-128"/>
             </a:endParaRPr>
@@ -42552,9 +42199,6 @@
             </a:pPr>
             <a:r>
               <a:rPr lang="en-US" sz="1600" kern="0" dirty="0">
-                <a:solidFill>
-                  <a:schemeClr val="bg1"/>
-                </a:solidFill>
                 <a:ea typeface="Arial Unicode MS" pitchFamily="34" charset="-128"/>
                 <a:cs typeface="Arial Unicode MS" pitchFamily="34" charset="-128"/>
               </a:rPr>
@@ -42585,9 +42229,6 @@
                 <a:ln>
                   <a:noFill/>
                 </a:ln>
-                <a:solidFill>
-                  <a:schemeClr val="bg1"/>
-                </a:solidFill>
                 <a:effectLst/>
                 <a:uLnTx/>
                 <a:uFillTx/>
@@ -42621,9 +42262,6 @@
                 <a:ln>
                   <a:noFill/>
                 </a:ln>
-                <a:solidFill>
-                  <a:schemeClr val="bg1"/>
-                </a:solidFill>
                 <a:effectLst/>
                 <a:uLnTx/>
                 <a:uFillTx/>
@@ -42636,9 +42274,6 @@
               <a:ln>
                 <a:noFill/>
               </a:ln>
-              <a:solidFill>
-                <a:schemeClr val="bg1"/>
-              </a:solidFill>
               <a:effectLst/>
               <a:uLnTx/>
               <a:uFillTx/>
@@ -42808,11 +42443,7 @@
           <a:prstGeom prst="verticalScroll">
             <a:avLst/>
           </a:prstGeom>
-          <a:solidFill>
-            <a:schemeClr val="tx1">
-              <a:lumMod val="75000"/>
-            </a:schemeClr>
-          </a:solidFill>
+          <a:noFill/>
           <a:ln w="19050" algn="ctr">
             <a:solidFill>
               <a:srgbClr val="C00000"/>
@@ -42844,9 +42475,6 @@
             </a:pPr>
             <a:r>
               <a:rPr lang="en-US" sz="1600" kern="0" dirty="0">
-                <a:solidFill>
-                  <a:schemeClr val="bg1"/>
-                </a:solidFill>
                 <a:ea typeface="Arial Unicode MS" pitchFamily="34" charset="-128"/>
                 <a:cs typeface="Arial Unicode MS" pitchFamily="34" charset="-128"/>
               </a:rPr>
@@ -42874,9 +42502,6 @@
             </a:pPr>
             <a:r>
               <a:rPr lang="en-US" sz="1600" kern="0" dirty="0">
-                <a:solidFill>
-                  <a:schemeClr val="bg1"/>
-                </a:solidFill>
                 <a:ea typeface="Arial Unicode MS" pitchFamily="34" charset="-128"/>
                 <a:cs typeface="Arial Unicode MS" pitchFamily="34" charset="-128"/>
               </a:rPr>
@@ -42886,9 +42511,6 @@
               <a:ln>
                 <a:noFill/>
               </a:ln>
-              <a:solidFill>
-                <a:schemeClr val="bg1"/>
-              </a:solidFill>
               <a:effectLst/>
               <a:uLnTx/>
               <a:uFillTx/>
@@ -42920,9 +42542,6 @@
                 <a:ln>
                   <a:noFill/>
                 </a:ln>
-                <a:solidFill>
-                  <a:schemeClr val="bg1"/>
-                </a:solidFill>
                 <a:effectLst/>
                 <a:uLnTx/>
                 <a:uFillTx/>
@@ -42933,9 +42552,6 @@
             </a:r>
             <a:r>
               <a:rPr lang="en-US" sz="1600" kern="0" dirty="0" err="1">
-                <a:solidFill>
-                  <a:schemeClr val="bg1"/>
-                </a:solidFill>
                 <a:ea typeface="Arial Unicode MS" pitchFamily="34" charset="-128"/>
                 <a:cs typeface="Arial Unicode MS" pitchFamily="34" charset="-128"/>
               </a:rPr>
@@ -42945,9 +42561,6 @@
               <a:ln>
                 <a:noFill/>
               </a:ln>
-              <a:solidFill>
-                <a:schemeClr val="bg1"/>
-              </a:solidFill>
               <a:effectLst/>
               <a:uLnTx/>
               <a:uFillTx/>
@@ -44253,11 +43866,7 @@
           <a:prstGeom prst="verticalScroll">
             <a:avLst/>
           </a:prstGeom>
-          <a:solidFill>
-            <a:schemeClr val="tx1">
-              <a:lumMod val="75000"/>
-            </a:schemeClr>
-          </a:solidFill>
+          <a:noFill/>
           <a:ln w="19050" algn="ctr">
             <a:solidFill>
               <a:srgbClr val="C00000"/>
@@ -44294,9 +43903,6 @@
                 <a:ln>
                   <a:noFill/>
                 </a:ln>
-                <a:solidFill>
-                  <a:schemeClr val="bg1"/>
-                </a:solidFill>
                 <a:effectLst/>
                 <a:uLnTx/>
                 <a:uFillTx/>
@@ -44642,14 +44248,9 @@
           <a:prstGeom prst="rect">
             <a:avLst/>
           </a:prstGeom>
-          <a:pattFill prst="lgCheck">
-            <a:fgClr>
-              <a:srgbClr val="FFC000"/>
-            </a:fgClr>
-            <a:bgClr>
-              <a:schemeClr val="tx1"/>
-            </a:bgClr>
-          </a:pattFill>
+          <a:solidFill>
+            <a:schemeClr val="accent1"/>
+          </a:solidFill>
           <a:ln>
             <a:solidFill>
               <a:schemeClr val="bg1"/>
@@ -45982,1149 +45583,6 @@
 </file>
 
 <file path=ppt/slides/slide6.xml><?xml version="1.0" encoding="utf-8"?>
-<p:sld xmlns:a="http://schemas.openxmlformats.org/drawingml/2006/main" xmlns:r="http://schemas.openxmlformats.org/officeDocument/2006/relationships" xmlns:p="http://schemas.openxmlformats.org/presentationml/2006/main">
-  <p:cSld>
-    <p:spTree>
-      <p:nvGrpSpPr>
-        <p:cNvPr id="1" name=""/>
-        <p:cNvGrpSpPr/>
-        <p:nvPr/>
-      </p:nvGrpSpPr>
-      <p:grpSpPr>
-        <a:xfrm>
-          <a:off x="0" y="0"/>
-          <a:ext cx="0" cy="0"/>
-          <a:chOff x="0" y="0"/>
-          <a:chExt cx="0" cy="0"/>
-        </a:xfrm>
-      </p:grpSpPr>
-      <p:sp>
-        <p:nvSpPr>
-          <p:cNvPr id="4" name="Title 3">
-            <a:extLst>
-              <a:ext uri="{FF2B5EF4-FFF2-40B4-BE49-F238E27FC236}">
-                <a16:creationId xmlns:a16="http://schemas.microsoft.com/office/drawing/2014/main" id="{678A9EDA-D4FB-4F49-B422-E2C2303E5204}"/>
-              </a:ext>
-            </a:extLst>
-          </p:cNvPr>
-          <p:cNvSpPr>
-            <a:spLocks noGrp="1"/>
-          </p:cNvSpPr>
-          <p:nvPr>
-            <p:ph type="ctrTitle"/>
-          </p:nvPr>
-        </p:nvSpPr>
-        <p:spPr/>
-        <p:txBody>
-          <a:bodyPr/>
-          <a:lstStyle/>
-          <a:p>
-            <a:r>
-              <a:rPr lang="de-DE" dirty="0"/>
-              <a:t>Appendix</a:t>
-            </a:r>
-          </a:p>
-        </p:txBody>
-      </p:sp>
-    </p:spTree>
-    <p:extLst>
-      <p:ext uri="{BB962C8B-B14F-4D97-AF65-F5344CB8AC3E}">
-        <p14:creationId xmlns:p14="http://schemas.microsoft.com/office/powerpoint/2010/main" val="3997893514"/>
-      </p:ext>
-    </p:extLst>
-  </p:cSld>
-  <p:clrMapOvr>
-    <a:masterClrMapping/>
-  </p:clrMapOvr>
-</p:sld>
-</file>
-
-<file path=ppt/slides/slide7.xml><?xml version="1.0" encoding="utf-8"?>
-<p:sld xmlns:a="http://schemas.openxmlformats.org/drawingml/2006/main" xmlns:r="http://schemas.openxmlformats.org/officeDocument/2006/relationships" xmlns:p="http://schemas.openxmlformats.org/presentationml/2006/main">
-  <p:cSld>
-    <p:spTree>
-      <p:nvGrpSpPr>
-        <p:cNvPr id="1" name=""/>
-        <p:cNvGrpSpPr/>
-        <p:nvPr/>
-      </p:nvGrpSpPr>
-      <p:grpSpPr>
-        <a:xfrm>
-          <a:off x="0" y="0"/>
-          <a:ext cx="0" cy="0"/>
-          <a:chOff x="0" y="0"/>
-          <a:chExt cx="0" cy="0"/>
-        </a:xfrm>
-      </p:grpSpPr>
-      <p:sp>
-        <p:nvSpPr>
-          <p:cNvPr id="3" name="Title 2"/>
-          <p:cNvSpPr>
-            <a:spLocks noGrp="1"/>
-          </p:cNvSpPr>
-          <p:nvPr>
-            <p:ph type="title"/>
-          </p:nvPr>
-        </p:nvSpPr>
-        <p:spPr/>
-        <p:txBody>
-          <a:bodyPr/>
-          <a:lstStyle/>
-          <a:p>
-            <a:r>
-              <a:rPr lang="en-US" dirty="0"/>
-              <a:t>What YOU will do in exercise #0x</a:t>
-            </a:r>
-          </a:p>
-        </p:txBody>
-      </p:sp>
-      <p:grpSp>
-        <p:nvGrpSpPr>
-          <p:cNvPr id="13" name="Group 12"/>
-          <p:cNvGrpSpPr/>
-          <p:nvPr/>
-        </p:nvGrpSpPr>
-        <p:grpSpPr>
-          <a:xfrm>
-            <a:off x="2674620" y="2948940"/>
-            <a:ext cx="6187440" cy="1752600"/>
-            <a:chOff x="2697480" y="2743200"/>
-            <a:chExt cx="6187440" cy="2034540"/>
-          </a:xfrm>
-        </p:grpSpPr>
-        <p:sp>
-          <p:nvSpPr>
-            <p:cNvPr id="12" name="Rectangle: Rounded Corners 11"/>
-            <p:cNvSpPr/>
-            <p:nvPr/>
-          </p:nvSpPr>
-          <p:spPr bwMode="gray">
-            <a:xfrm>
-              <a:off x="2697480" y="2743200"/>
-              <a:ext cx="6187440" cy="2034540"/>
-            </a:xfrm>
-            <a:prstGeom prst="roundRect">
-              <a:avLst/>
-            </a:prstGeom>
-            <a:ln>
-              <a:headEnd/>
-              <a:tailEnd/>
-            </a:ln>
-          </p:spPr>
-          <p:style>
-            <a:lnRef idx="2">
-              <a:schemeClr val="accent1"/>
-            </a:lnRef>
-            <a:fillRef idx="1">
-              <a:schemeClr val="lt1"/>
-            </a:fillRef>
-            <a:effectRef idx="0">
-              <a:schemeClr val="accent1"/>
-            </a:effectRef>
-            <a:fontRef idx="minor">
-              <a:schemeClr val="dk1"/>
-            </a:fontRef>
-          </p:style>
-          <p:txBody>
-            <a:bodyPr lIns="90000" tIns="72000" rIns="90000" bIns="72000" rtlCol="0" anchor="ctr"/>
-            <a:lstStyle/>
-            <a:p>
-              <a:pPr marL="0" marR="0" lvl="0" indent="0" algn="ctr" defTabSz="914400" rtl="0" eaLnBrk="1" fontAlgn="base" latinLnBrk="0" hangingPunct="1">
-                <a:lnSpc>
-                  <a:spcPct val="100000"/>
-                </a:lnSpc>
-                <a:spcBef>
-                  <a:spcPct val="50000"/>
-                </a:spcBef>
-                <a:spcAft>
-                  <a:spcPct val="0"/>
-                </a:spcAft>
-                <a:buClr>
-                  <a:srgbClr val="F0AB00"/>
-                </a:buClr>
-                <a:buSzPct val="80000"/>
-                <a:buFontTx/>
-                <a:buNone/>
-                <a:tabLst/>
-                <a:defRPr/>
-              </a:pPr>
-              <a:endParaRPr kumimoji="0" lang="en-US" sz="1800" b="0" i="0" u="none" strike="noStrike" kern="0" cap="none" spc="0" normalizeH="0" baseline="0" noProof="0" dirty="0" err="1">
-                <a:ln>
-                  <a:noFill/>
-                </a:ln>
-                <a:solidFill>
-                  <a:srgbClr val="000000"/>
-                </a:solidFill>
-                <a:effectLst/>
-                <a:uLnTx/>
-                <a:uFillTx/>
-                <a:latin typeface="Arial"/>
-                <a:ea typeface="Arial Unicode MS" pitchFamily="34" charset="-128"/>
-                <a:cs typeface="Arial Unicode MS" pitchFamily="34" charset="-128"/>
-              </a:endParaRPr>
-            </a:p>
-          </p:txBody>
-        </p:sp>
-        <p:sp>
-          <p:nvSpPr>
-            <p:cNvPr id="4" name="Rectangle 3"/>
-            <p:cNvSpPr/>
-            <p:nvPr/>
-          </p:nvSpPr>
-          <p:spPr bwMode="gray">
-            <a:xfrm>
-              <a:off x="2989653" y="3164976"/>
-              <a:ext cx="1627931" cy="1156258"/>
-            </a:xfrm>
-            <a:prstGeom prst="rect">
-              <a:avLst/>
-            </a:prstGeom>
-            <a:solidFill>
-              <a:schemeClr val="accent4"/>
-            </a:solidFill>
-            <a:ln>
-              <a:headEnd/>
-              <a:tailEnd/>
-            </a:ln>
-          </p:spPr>
-          <p:style>
-            <a:lnRef idx="2">
-              <a:schemeClr val="accent2"/>
-            </a:lnRef>
-            <a:fillRef idx="1">
-              <a:schemeClr val="lt1"/>
-            </a:fillRef>
-            <a:effectRef idx="0">
-              <a:schemeClr val="accent2"/>
-            </a:effectRef>
-            <a:fontRef idx="minor">
-              <a:schemeClr val="dk1"/>
-            </a:fontRef>
-          </p:style>
-          <p:txBody>
-            <a:bodyPr lIns="90000" tIns="72000" rIns="90000" bIns="72000" rtlCol="0" anchor="ctr"/>
-            <a:lstStyle/>
-            <a:p>
-              <a:pPr marL="0" marR="0" lvl="0" indent="0" algn="ctr" defTabSz="914400" rtl="0" eaLnBrk="1" fontAlgn="base" latinLnBrk="0" hangingPunct="1">
-                <a:lnSpc>
-                  <a:spcPct val="100000"/>
-                </a:lnSpc>
-                <a:spcBef>
-                  <a:spcPct val="50000"/>
-                </a:spcBef>
-                <a:spcAft>
-                  <a:spcPct val="0"/>
-                </a:spcAft>
-                <a:buClr>
-                  <a:srgbClr val="F0AB00"/>
-                </a:buClr>
-                <a:buSzPct val="80000"/>
-                <a:buFontTx/>
-                <a:buNone/>
-                <a:tabLst/>
-                <a:defRPr/>
-              </a:pPr>
-              <a:r>
-                <a:rPr kumimoji="0" lang="de-DE" sz="1800" b="0" i="0" u="none" strike="noStrike" kern="0" cap="none" spc="0" normalizeH="0" baseline="0" noProof="0" dirty="0" err="1">
-                  <a:ln>
-                    <a:noFill/>
-                  </a:ln>
-                  <a:solidFill>
-                    <a:srgbClr val="000000"/>
-                  </a:solidFill>
-                  <a:effectLst/>
-                  <a:uLnTx/>
-                  <a:uFillTx/>
-                  <a:latin typeface="Arial"/>
-                  <a:ea typeface="Arial Unicode MS" pitchFamily="34" charset="-128"/>
-                  <a:cs typeface="Arial Unicode MS" pitchFamily="34" charset="-128"/>
-                </a:rPr>
-                <a:t>nginx</a:t>
-              </a:r>
-              <a:endParaRPr kumimoji="0" lang="de-DE" sz="1800" b="0" i="0" u="none" strike="noStrike" kern="0" cap="none" spc="0" normalizeH="0" baseline="0" noProof="0" dirty="0">
-                <a:ln>
-                  <a:noFill/>
-                </a:ln>
-                <a:solidFill>
-                  <a:srgbClr val="000000"/>
-                </a:solidFill>
-                <a:effectLst/>
-                <a:uLnTx/>
-                <a:uFillTx/>
-                <a:latin typeface="Arial"/>
-                <a:ea typeface="Arial Unicode MS" pitchFamily="34" charset="-128"/>
-                <a:cs typeface="Arial Unicode MS" pitchFamily="34" charset="-128"/>
-              </a:endParaRPr>
-            </a:p>
-          </p:txBody>
-        </p:sp>
-        <p:sp>
-          <p:nvSpPr>
-            <p:cNvPr id="6" name="Rectangle 5"/>
-            <p:cNvSpPr/>
-            <p:nvPr/>
-          </p:nvSpPr>
-          <p:spPr bwMode="gray">
-            <a:xfrm>
-              <a:off x="6855115" y="3164976"/>
-              <a:ext cx="1627931" cy="1156258"/>
-            </a:xfrm>
-            <a:prstGeom prst="rect">
-              <a:avLst/>
-            </a:prstGeom>
-            <a:solidFill>
-              <a:schemeClr val="bg2"/>
-            </a:solidFill>
-            <a:ln>
-              <a:headEnd/>
-              <a:tailEnd/>
-            </a:ln>
-          </p:spPr>
-          <p:style>
-            <a:lnRef idx="2">
-              <a:schemeClr val="accent2"/>
-            </a:lnRef>
-            <a:fillRef idx="1">
-              <a:schemeClr val="lt1"/>
-            </a:fillRef>
-            <a:effectRef idx="0">
-              <a:schemeClr val="accent2"/>
-            </a:effectRef>
-            <a:fontRef idx="minor">
-              <a:schemeClr val="dk1"/>
-            </a:fontRef>
-          </p:style>
-          <p:txBody>
-            <a:bodyPr lIns="90000" tIns="72000" rIns="90000" bIns="72000" rtlCol="0" anchor="ctr"/>
-            <a:lstStyle/>
-            <a:p>
-              <a:pPr marL="0" marR="0" lvl="0" indent="0" algn="ctr" defTabSz="914400" rtl="0" eaLnBrk="1" fontAlgn="base" latinLnBrk="0" hangingPunct="1">
-                <a:lnSpc>
-                  <a:spcPct val="100000"/>
-                </a:lnSpc>
-                <a:spcBef>
-                  <a:spcPct val="50000"/>
-                </a:spcBef>
-                <a:spcAft>
-                  <a:spcPct val="0"/>
-                </a:spcAft>
-                <a:buClr>
-                  <a:srgbClr val="F0AB00"/>
-                </a:buClr>
-                <a:buSzPct val="80000"/>
-                <a:buFontTx/>
-                <a:buNone/>
-                <a:tabLst/>
-                <a:defRPr/>
-              </a:pPr>
-              <a:r>
-                <a:rPr kumimoji="0" lang="de-DE" sz="1800" b="0" i="0" u="none" strike="noStrike" kern="0" cap="none" spc="0" normalizeH="0" baseline="0" noProof="0" dirty="0" err="1">
-                  <a:ln>
-                    <a:noFill/>
-                  </a:ln>
-                  <a:solidFill>
-                    <a:srgbClr val="000000"/>
-                  </a:solidFill>
-                  <a:effectLst/>
-                  <a:uLnTx/>
-                  <a:uFillTx/>
-                  <a:latin typeface="Arial"/>
-                  <a:ea typeface="Arial Unicode MS" pitchFamily="34" charset="-128"/>
-                  <a:cs typeface="Arial Unicode MS" pitchFamily="34" charset="-128"/>
-                </a:rPr>
-                <a:t>nginx</a:t>
-              </a:r>
-              <a:endParaRPr kumimoji="0" lang="de-DE" sz="1800" b="0" i="0" u="none" strike="noStrike" kern="0" cap="none" spc="0" normalizeH="0" baseline="0" noProof="0" dirty="0">
-                <a:ln>
-                  <a:noFill/>
-                </a:ln>
-                <a:solidFill>
-                  <a:srgbClr val="000000"/>
-                </a:solidFill>
-                <a:effectLst/>
-                <a:uLnTx/>
-                <a:uFillTx/>
-                <a:latin typeface="Arial"/>
-                <a:ea typeface="Arial Unicode MS" pitchFamily="34" charset="-128"/>
-                <a:cs typeface="Arial Unicode MS" pitchFamily="34" charset="-128"/>
-              </a:endParaRPr>
-            </a:p>
-          </p:txBody>
-        </p:sp>
-        <p:sp>
-          <p:nvSpPr>
-            <p:cNvPr id="7" name="Rectangle 6"/>
-            <p:cNvSpPr/>
-            <p:nvPr/>
-          </p:nvSpPr>
-          <p:spPr bwMode="gray">
-            <a:xfrm>
-              <a:off x="4922384" y="3164976"/>
-              <a:ext cx="1627931" cy="1156258"/>
-            </a:xfrm>
-            <a:prstGeom prst="rect">
-              <a:avLst/>
-            </a:prstGeom>
-            <a:solidFill>
-              <a:schemeClr val="bg2"/>
-            </a:solidFill>
-            <a:ln>
-              <a:headEnd/>
-              <a:tailEnd/>
-            </a:ln>
-          </p:spPr>
-          <p:style>
-            <a:lnRef idx="2">
-              <a:schemeClr val="accent2"/>
-            </a:lnRef>
-            <a:fillRef idx="1">
-              <a:schemeClr val="lt1"/>
-            </a:fillRef>
-            <a:effectRef idx="0">
-              <a:schemeClr val="accent2"/>
-            </a:effectRef>
-            <a:fontRef idx="minor">
-              <a:schemeClr val="dk1"/>
-            </a:fontRef>
-          </p:style>
-          <p:txBody>
-            <a:bodyPr lIns="90000" tIns="72000" rIns="90000" bIns="72000" rtlCol="0" anchor="ctr"/>
-            <a:lstStyle/>
-            <a:p>
-              <a:pPr marL="0" marR="0" lvl="0" indent="0" algn="ctr" defTabSz="914400" rtl="0" eaLnBrk="1" fontAlgn="base" latinLnBrk="0" hangingPunct="1">
-                <a:lnSpc>
-                  <a:spcPct val="100000"/>
-                </a:lnSpc>
-                <a:spcBef>
-                  <a:spcPct val="50000"/>
-                </a:spcBef>
-                <a:spcAft>
-                  <a:spcPct val="0"/>
-                </a:spcAft>
-                <a:buClr>
-                  <a:srgbClr val="F0AB00"/>
-                </a:buClr>
-                <a:buSzPct val="80000"/>
-                <a:buFontTx/>
-                <a:buNone/>
-                <a:tabLst/>
-                <a:defRPr/>
-              </a:pPr>
-              <a:r>
-                <a:rPr kumimoji="0" lang="de-DE" sz="1800" b="0" i="0" u="none" strike="noStrike" kern="0" cap="none" spc="0" normalizeH="0" baseline="0" noProof="0" dirty="0" err="1">
-                  <a:ln>
-                    <a:noFill/>
-                  </a:ln>
-                  <a:solidFill>
-                    <a:srgbClr val="000000"/>
-                  </a:solidFill>
-                  <a:effectLst/>
-                  <a:uLnTx/>
-                  <a:uFillTx/>
-                  <a:latin typeface="Arial"/>
-                  <a:ea typeface="Arial Unicode MS" pitchFamily="34" charset="-128"/>
-                  <a:cs typeface="Arial Unicode MS" pitchFamily="34" charset="-128"/>
-                </a:rPr>
-                <a:t>nginx</a:t>
-              </a:r>
-              <a:endParaRPr kumimoji="0" lang="de-DE" sz="1800" b="0" i="0" u="none" strike="noStrike" kern="0" cap="none" spc="0" normalizeH="0" baseline="0" noProof="0" dirty="0">
-                <a:ln>
-                  <a:noFill/>
-                </a:ln>
-                <a:solidFill>
-                  <a:srgbClr val="000000"/>
-                </a:solidFill>
-                <a:effectLst/>
-                <a:uLnTx/>
-                <a:uFillTx/>
-                <a:latin typeface="Arial"/>
-                <a:ea typeface="Arial Unicode MS" pitchFamily="34" charset="-128"/>
-                <a:cs typeface="Arial Unicode MS" pitchFamily="34" charset="-128"/>
-              </a:endParaRPr>
-            </a:p>
-          </p:txBody>
-        </p:sp>
-      </p:grpSp>
-      <p:grpSp>
-        <p:nvGrpSpPr>
-          <p:cNvPr id="15" name="Group 14"/>
-          <p:cNvGrpSpPr/>
-          <p:nvPr/>
-        </p:nvGrpSpPr>
-        <p:grpSpPr>
-          <a:xfrm>
-            <a:off x="3482340" y="5176656"/>
-            <a:ext cx="4572000" cy="1363980"/>
-            <a:chOff x="3421380" y="5067300"/>
-            <a:chExt cx="4572000" cy="1363980"/>
-          </a:xfrm>
-        </p:grpSpPr>
-        <p:sp>
-          <p:nvSpPr>
-            <p:cNvPr id="14" name="Rectangle: Rounded Corners 13"/>
-            <p:cNvSpPr/>
-            <p:nvPr/>
-          </p:nvSpPr>
-          <p:spPr bwMode="gray">
-            <a:xfrm>
-              <a:off x="3421380" y="5067300"/>
-              <a:ext cx="4572000" cy="1363980"/>
-            </a:xfrm>
-            <a:prstGeom prst="roundRect">
-              <a:avLst/>
-            </a:prstGeom>
-            <a:ln>
-              <a:headEnd/>
-              <a:tailEnd/>
-            </a:ln>
-          </p:spPr>
-          <p:style>
-            <a:lnRef idx="2">
-              <a:schemeClr val="accent1"/>
-            </a:lnRef>
-            <a:fillRef idx="1">
-              <a:schemeClr val="lt1"/>
-            </a:fillRef>
-            <a:effectRef idx="0">
-              <a:schemeClr val="accent1"/>
-            </a:effectRef>
-            <a:fontRef idx="minor">
-              <a:schemeClr val="dk1"/>
-            </a:fontRef>
-          </p:style>
-          <p:txBody>
-            <a:bodyPr lIns="90000" tIns="72000" rIns="90000" bIns="72000" rtlCol="0" anchor="ctr"/>
-            <a:lstStyle/>
-            <a:p>
-              <a:pPr marL="0" marR="0" lvl="0" indent="0" algn="ctr" defTabSz="914400" rtl="0" eaLnBrk="1" fontAlgn="base" latinLnBrk="0" hangingPunct="1">
-                <a:lnSpc>
-                  <a:spcPct val="100000"/>
-                </a:lnSpc>
-                <a:spcBef>
-                  <a:spcPct val="50000"/>
-                </a:spcBef>
-                <a:spcAft>
-                  <a:spcPct val="0"/>
-                </a:spcAft>
-                <a:buClr>
-                  <a:srgbClr val="F0AB00"/>
-                </a:buClr>
-                <a:buSzPct val="80000"/>
-                <a:buFontTx/>
-                <a:buNone/>
-                <a:tabLst/>
-                <a:defRPr/>
-              </a:pPr>
-              <a:endParaRPr kumimoji="0" lang="en-US" sz="1800" b="0" i="0" u="none" strike="noStrike" kern="0" cap="none" spc="0" normalizeH="0" baseline="0" noProof="0" dirty="0" err="1">
-                <a:ln>
-                  <a:noFill/>
-                </a:ln>
-                <a:solidFill>
-                  <a:srgbClr val="000000"/>
-                </a:solidFill>
-                <a:effectLst/>
-                <a:uLnTx/>
-                <a:uFillTx/>
-                <a:latin typeface="Arial"/>
-                <a:ea typeface="Arial Unicode MS" pitchFamily="34" charset="-128"/>
-                <a:cs typeface="Arial Unicode MS" pitchFamily="34" charset="-128"/>
-              </a:endParaRPr>
-            </a:p>
-          </p:txBody>
-        </p:sp>
-        <p:sp>
-          <p:nvSpPr>
-            <p:cNvPr id="8" name="Cylinder 7"/>
-            <p:cNvSpPr/>
-            <p:nvPr/>
-          </p:nvSpPr>
-          <p:spPr bwMode="gray">
-            <a:xfrm>
-              <a:off x="3946888" y="5248563"/>
-              <a:ext cx="998220" cy="1004248"/>
-            </a:xfrm>
-            <a:prstGeom prst="can">
-              <a:avLst/>
-            </a:prstGeom>
-            <a:ln>
-              <a:headEnd/>
-              <a:tailEnd/>
-            </a:ln>
-          </p:spPr>
-          <p:style>
-            <a:lnRef idx="2">
-              <a:schemeClr val="accent2"/>
-            </a:lnRef>
-            <a:fillRef idx="1">
-              <a:schemeClr val="lt1"/>
-            </a:fillRef>
-            <a:effectRef idx="0">
-              <a:schemeClr val="accent2"/>
-            </a:effectRef>
-            <a:fontRef idx="minor">
-              <a:schemeClr val="dk1"/>
-            </a:fontRef>
-          </p:style>
-          <p:txBody>
-            <a:bodyPr lIns="90000" tIns="72000" rIns="90000" bIns="72000" rtlCol="0" anchor="ctr"/>
-            <a:lstStyle/>
-            <a:p>
-              <a:pPr marL="0" marR="0" lvl="0" indent="0" algn="ctr" defTabSz="914400" rtl="0" eaLnBrk="1" fontAlgn="base" latinLnBrk="0" hangingPunct="1">
-                <a:lnSpc>
-                  <a:spcPct val="100000"/>
-                </a:lnSpc>
-                <a:spcBef>
-                  <a:spcPct val="50000"/>
-                </a:spcBef>
-                <a:spcAft>
-                  <a:spcPct val="0"/>
-                </a:spcAft>
-                <a:buClr>
-                  <a:srgbClr val="F0AB00"/>
-                </a:buClr>
-                <a:buSzPct val="80000"/>
-                <a:buFontTx/>
-                <a:buNone/>
-                <a:tabLst/>
-                <a:defRPr/>
-              </a:pPr>
-              <a:r>
-                <a:rPr kumimoji="0" lang="de-DE" sz="1800" b="0" i="0" u="none" strike="noStrike" kern="0" cap="none" spc="0" normalizeH="0" baseline="0" noProof="0" dirty="0" err="1">
-                  <a:ln>
-                    <a:noFill/>
-                  </a:ln>
-                  <a:solidFill>
-                    <a:srgbClr val="000000"/>
-                  </a:solidFill>
-                  <a:effectLst/>
-                  <a:uLnTx/>
-                  <a:uFillTx/>
-                  <a:latin typeface="Arial"/>
-                  <a:ea typeface="Arial Unicode MS" pitchFamily="34" charset="-128"/>
-                  <a:cs typeface="Arial Unicode MS" pitchFamily="34" charset="-128"/>
-                </a:rPr>
-                <a:t>content</a:t>
-              </a:r>
-              <a:endParaRPr kumimoji="0" lang="de-DE" sz="1800" b="0" i="0" u="none" strike="noStrike" kern="0" cap="none" spc="0" normalizeH="0" baseline="0" noProof="0" dirty="0">
-                <a:ln>
-                  <a:noFill/>
-                </a:ln>
-                <a:solidFill>
-                  <a:srgbClr val="000000"/>
-                </a:solidFill>
-                <a:effectLst/>
-                <a:uLnTx/>
-                <a:uFillTx/>
-                <a:latin typeface="Arial"/>
-                <a:ea typeface="Arial Unicode MS" pitchFamily="34" charset="-128"/>
-                <a:cs typeface="Arial Unicode MS" pitchFamily="34" charset="-128"/>
-              </a:endParaRPr>
-            </a:p>
-          </p:txBody>
-        </p:sp>
-        <p:sp>
-          <p:nvSpPr>
-            <p:cNvPr id="9" name="Cylinder 8"/>
-            <p:cNvSpPr/>
-            <p:nvPr/>
-          </p:nvSpPr>
-          <p:spPr bwMode="gray">
-            <a:xfrm>
-              <a:off x="5214379" y="5248563"/>
-              <a:ext cx="998220" cy="1004248"/>
-            </a:xfrm>
-            <a:prstGeom prst="can">
-              <a:avLst/>
-            </a:prstGeom>
-            <a:ln>
-              <a:headEnd/>
-              <a:tailEnd/>
-            </a:ln>
-          </p:spPr>
-          <p:style>
-            <a:lnRef idx="2">
-              <a:schemeClr val="accent2"/>
-            </a:lnRef>
-            <a:fillRef idx="1">
-              <a:schemeClr val="lt1"/>
-            </a:fillRef>
-            <a:effectRef idx="0">
-              <a:schemeClr val="accent2"/>
-            </a:effectRef>
-            <a:fontRef idx="minor">
-              <a:schemeClr val="dk1"/>
-            </a:fontRef>
-          </p:style>
-          <p:txBody>
-            <a:bodyPr lIns="90000" tIns="72000" rIns="90000" bIns="72000" rtlCol="0" anchor="ctr"/>
-            <a:lstStyle/>
-            <a:p>
-              <a:pPr marL="0" marR="0" lvl="0" indent="0" algn="ctr" defTabSz="914400" rtl="0" eaLnBrk="1" fontAlgn="base" latinLnBrk="0" hangingPunct="1">
-                <a:lnSpc>
-                  <a:spcPct val="100000"/>
-                </a:lnSpc>
-                <a:spcBef>
-                  <a:spcPct val="50000"/>
-                </a:spcBef>
-                <a:spcAft>
-                  <a:spcPct val="0"/>
-                </a:spcAft>
-                <a:buClr>
-                  <a:srgbClr val="F0AB00"/>
-                </a:buClr>
-                <a:buSzPct val="80000"/>
-                <a:buFontTx/>
-                <a:buNone/>
-                <a:tabLst/>
-                <a:defRPr/>
-              </a:pPr>
-              <a:r>
-                <a:rPr kumimoji="0" lang="de-DE" sz="1800" b="0" i="0" u="none" strike="noStrike" kern="0" cap="none" spc="0" normalizeH="0" baseline="0" noProof="0" dirty="0" err="1">
-                  <a:ln>
-                    <a:noFill/>
-                  </a:ln>
-                  <a:solidFill>
-                    <a:srgbClr val="000000"/>
-                  </a:solidFill>
-                  <a:effectLst/>
-                  <a:uLnTx/>
-                  <a:uFillTx/>
-                  <a:latin typeface="Arial"/>
-                  <a:ea typeface="Arial Unicode MS" pitchFamily="34" charset="-128"/>
-                  <a:cs typeface="Arial Unicode MS" pitchFamily="34" charset="-128"/>
-                </a:rPr>
-                <a:t>config</a:t>
-              </a:r>
-              <a:endParaRPr kumimoji="0" lang="de-DE" sz="1800" b="0" i="0" u="none" strike="noStrike" kern="0" cap="none" spc="0" normalizeH="0" baseline="0" noProof="0" dirty="0">
-                <a:ln>
-                  <a:noFill/>
-                </a:ln>
-                <a:solidFill>
-                  <a:srgbClr val="000000"/>
-                </a:solidFill>
-                <a:effectLst/>
-                <a:uLnTx/>
-                <a:uFillTx/>
-                <a:latin typeface="Arial"/>
-                <a:ea typeface="Arial Unicode MS" pitchFamily="34" charset="-128"/>
-                <a:cs typeface="Arial Unicode MS" pitchFamily="34" charset="-128"/>
-              </a:endParaRPr>
-            </a:p>
-          </p:txBody>
-        </p:sp>
-        <p:sp>
-          <p:nvSpPr>
-            <p:cNvPr id="10" name="Cylinder 9"/>
-            <p:cNvSpPr/>
-            <p:nvPr/>
-          </p:nvSpPr>
-          <p:spPr bwMode="gray">
-            <a:xfrm>
-              <a:off x="6481870" y="5248563"/>
-              <a:ext cx="998220" cy="1004248"/>
-            </a:xfrm>
-            <a:prstGeom prst="can">
-              <a:avLst/>
-            </a:prstGeom>
-            <a:ln>
-              <a:headEnd/>
-              <a:tailEnd/>
-            </a:ln>
-          </p:spPr>
-          <p:style>
-            <a:lnRef idx="2">
-              <a:schemeClr val="accent2"/>
-            </a:lnRef>
-            <a:fillRef idx="1">
-              <a:schemeClr val="lt1"/>
-            </a:fillRef>
-            <a:effectRef idx="0">
-              <a:schemeClr val="accent2"/>
-            </a:effectRef>
-            <a:fontRef idx="minor">
-              <a:schemeClr val="dk1"/>
-            </a:fontRef>
-          </p:style>
-          <p:txBody>
-            <a:bodyPr lIns="90000" tIns="72000" rIns="90000" bIns="72000" rtlCol="0" anchor="ctr"/>
-            <a:lstStyle/>
-            <a:p>
-              <a:pPr marL="0" marR="0" lvl="0" indent="0" algn="ctr" defTabSz="914400" rtl="0" eaLnBrk="1" fontAlgn="base" latinLnBrk="0" hangingPunct="1">
-                <a:lnSpc>
-                  <a:spcPct val="100000"/>
-                </a:lnSpc>
-                <a:spcBef>
-                  <a:spcPct val="50000"/>
-                </a:spcBef>
-                <a:spcAft>
-                  <a:spcPct val="0"/>
-                </a:spcAft>
-                <a:buClr>
-                  <a:srgbClr val="F0AB00"/>
-                </a:buClr>
-                <a:buSzPct val="80000"/>
-                <a:buFontTx/>
-                <a:buNone/>
-                <a:tabLst/>
-                <a:defRPr/>
-              </a:pPr>
-              <a:r>
-                <a:rPr kumimoji="0" lang="de-DE" sz="1800" b="0" i="0" u="none" strike="noStrike" kern="0" cap="none" spc="0" normalizeH="0" baseline="0" noProof="0" dirty="0" err="1">
-                  <a:ln>
-                    <a:noFill/>
-                  </a:ln>
-                  <a:solidFill>
-                    <a:srgbClr val="000000"/>
-                  </a:solidFill>
-                  <a:effectLst/>
-                  <a:uLnTx/>
-                  <a:uFillTx/>
-                  <a:latin typeface="Arial"/>
-                  <a:ea typeface="Arial Unicode MS" pitchFamily="34" charset="-128"/>
-                  <a:cs typeface="Arial Unicode MS" pitchFamily="34" charset="-128"/>
-                </a:rPr>
-                <a:t>tls</a:t>
-              </a:r>
-              <a:r>
-                <a:rPr kumimoji="0" lang="de-DE" sz="1800" b="0" i="0" u="none" strike="noStrike" kern="0" cap="none" spc="0" normalizeH="0" baseline="0" noProof="0" dirty="0">
-                  <a:ln>
-                    <a:noFill/>
-                  </a:ln>
-                  <a:solidFill>
-                    <a:srgbClr val="000000"/>
-                  </a:solidFill>
-                  <a:effectLst/>
-                  <a:uLnTx/>
-                  <a:uFillTx/>
-                  <a:latin typeface="Arial"/>
-                  <a:ea typeface="Arial Unicode MS" pitchFamily="34" charset="-128"/>
-                  <a:cs typeface="Arial Unicode MS" pitchFamily="34" charset="-128"/>
-                </a:rPr>
-                <a:t> </a:t>
-              </a:r>
-              <a:r>
-                <a:rPr kumimoji="0" lang="de-DE" sz="1800" b="0" i="0" u="none" strike="noStrike" kern="0" cap="none" spc="0" normalizeH="0" baseline="0" noProof="0" dirty="0" err="1">
-                  <a:ln>
-                    <a:noFill/>
-                  </a:ln>
-                  <a:solidFill>
-                    <a:srgbClr val="000000"/>
-                  </a:solidFill>
-                  <a:effectLst/>
-                  <a:uLnTx/>
-                  <a:uFillTx/>
-                  <a:latin typeface="Arial"/>
-                  <a:ea typeface="Arial Unicode MS" pitchFamily="34" charset="-128"/>
-                  <a:cs typeface="Arial Unicode MS" pitchFamily="34" charset="-128"/>
-                </a:rPr>
-                <a:t>certs</a:t>
-              </a:r>
-              <a:endParaRPr kumimoji="0" lang="de-DE" sz="1800" b="0" i="0" u="none" strike="noStrike" kern="0" cap="none" spc="0" normalizeH="0" baseline="0" noProof="0" dirty="0">
-                <a:ln>
-                  <a:noFill/>
-                </a:ln>
-                <a:solidFill>
-                  <a:srgbClr val="000000"/>
-                </a:solidFill>
-                <a:effectLst/>
-                <a:uLnTx/>
-                <a:uFillTx/>
-                <a:latin typeface="Arial"/>
-                <a:ea typeface="Arial Unicode MS" pitchFamily="34" charset="-128"/>
-                <a:cs typeface="Arial Unicode MS" pitchFamily="34" charset="-128"/>
-              </a:endParaRPr>
-            </a:p>
-          </p:txBody>
-        </p:sp>
-      </p:grpSp>
-      <p:sp>
-        <p:nvSpPr>
-          <p:cNvPr id="16" name="Arrow: Up-Down 15"/>
-          <p:cNvSpPr/>
-          <p:nvPr/>
-        </p:nvSpPr>
-        <p:spPr bwMode="gray">
-          <a:xfrm>
-            <a:off x="5657231" y="4400550"/>
-            <a:ext cx="222219" cy="845820"/>
-          </a:xfrm>
-          <a:prstGeom prst="upDownArrow">
-            <a:avLst/>
-          </a:prstGeom>
-          <a:solidFill>
-            <a:schemeClr val="accent1"/>
-          </a:solidFill>
-          <a:ln w="6350" algn="ctr">
-            <a:noFill/>
-            <a:miter lim="800000"/>
-            <a:headEnd/>
-            <a:tailEnd/>
-          </a:ln>
-        </p:spPr>
-        <p:txBody>
-          <a:bodyPr lIns="90000" tIns="72000" rIns="90000" bIns="72000" rtlCol="0" anchor="ctr"/>
-          <a:lstStyle/>
-          <a:p>
-            <a:pPr marL="0" marR="0" lvl="0" indent="0" algn="ctr" defTabSz="914400" rtl="0" eaLnBrk="1" fontAlgn="base" latinLnBrk="0" hangingPunct="1">
-              <a:lnSpc>
-                <a:spcPct val="100000"/>
-              </a:lnSpc>
-              <a:spcBef>
-                <a:spcPct val="50000"/>
-              </a:spcBef>
-              <a:spcAft>
-                <a:spcPct val="0"/>
-              </a:spcAft>
-              <a:buClr>
-                <a:srgbClr val="F0AB00"/>
-              </a:buClr>
-              <a:buSzPct val="80000"/>
-              <a:buFontTx/>
-              <a:buNone/>
-              <a:tabLst/>
-              <a:defRPr/>
-            </a:pPr>
-            <a:endParaRPr kumimoji="0" lang="en-US" sz="1800" b="0" i="0" u="none" strike="noStrike" kern="0" cap="none" spc="0" normalizeH="0" baseline="0" noProof="0" dirty="0" err="1">
-              <a:ln>
-                <a:noFill/>
-              </a:ln>
-              <a:solidFill>
-                <a:srgbClr val="FFFFFF"/>
-              </a:solidFill>
-              <a:effectLst/>
-              <a:uLnTx/>
-              <a:uFillTx/>
-              <a:latin typeface="Arial"/>
-              <a:ea typeface="Arial Unicode MS" pitchFamily="34" charset="-128"/>
-              <a:cs typeface="Arial Unicode MS" pitchFamily="34" charset="-128"/>
-            </a:endParaRPr>
-          </a:p>
-        </p:txBody>
-      </p:sp>
-      <p:sp>
-        <p:nvSpPr>
-          <p:cNvPr id="17" name="Cloud 16"/>
-          <p:cNvSpPr/>
-          <p:nvPr/>
-        </p:nvSpPr>
-        <p:spPr bwMode="gray">
-          <a:xfrm>
-            <a:off x="4077319" y="1126276"/>
-            <a:ext cx="3382042" cy="914400"/>
-          </a:xfrm>
-          <a:prstGeom prst="cloud">
-            <a:avLst/>
-          </a:prstGeom>
-          <a:solidFill>
-            <a:schemeClr val="accent1"/>
-          </a:solidFill>
-          <a:ln w="6350" algn="ctr">
-            <a:noFill/>
-            <a:miter lim="800000"/>
-            <a:headEnd/>
-            <a:tailEnd/>
-          </a:ln>
-        </p:spPr>
-        <p:txBody>
-          <a:bodyPr lIns="90000" tIns="72000" rIns="90000" bIns="72000" rtlCol="0" anchor="ctr"/>
-          <a:lstStyle/>
-          <a:p>
-            <a:pPr marL="0" marR="0" lvl="0" indent="0" algn="ctr" defTabSz="914400" rtl="0" eaLnBrk="1" fontAlgn="base" latinLnBrk="0" hangingPunct="1">
-              <a:lnSpc>
-                <a:spcPct val="100000"/>
-              </a:lnSpc>
-              <a:spcBef>
-                <a:spcPct val="50000"/>
-              </a:spcBef>
-              <a:spcAft>
-                <a:spcPct val="0"/>
-              </a:spcAft>
-              <a:buClr>
-                <a:srgbClr val="F0AB00"/>
-              </a:buClr>
-              <a:buSzPct val="80000"/>
-              <a:buFontTx/>
-              <a:buNone/>
-              <a:tabLst/>
-              <a:defRPr/>
-            </a:pPr>
-            <a:endParaRPr kumimoji="0" lang="en-US" sz="1800" b="0" i="0" u="none" strike="noStrike" kern="0" cap="none" spc="0" normalizeH="0" baseline="0" noProof="0" dirty="0" err="1">
-              <a:ln>
-                <a:noFill/>
-              </a:ln>
-              <a:solidFill>
-                <a:srgbClr val="FFFFFF"/>
-              </a:solidFill>
-              <a:effectLst/>
-              <a:uLnTx/>
-              <a:uFillTx/>
-              <a:latin typeface="Arial"/>
-              <a:ea typeface="Arial Unicode MS" pitchFamily="34" charset="-128"/>
-              <a:cs typeface="Arial Unicode MS" pitchFamily="34" charset="-128"/>
-            </a:endParaRPr>
-          </a:p>
-        </p:txBody>
-      </p:sp>
-      <p:sp>
-        <p:nvSpPr>
-          <p:cNvPr id="18" name="Arrow: Up-Down 17"/>
-          <p:cNvSpPr/>
-          <p:nvPr/>
-        </p:nvSpPr>
-        <p:spPr bwMode="gray">
-          <a:xfrm>
-            <a:off x="5657231" y="2071898"/>
-            <a:ext cx="222219" cy="845820"/>
-          </a:xfrm>
-          <a:prstGeom prst="upDownArrow">
-            <a:avLst/>
-          </a:prstGeom>
-          <a:solidFill>
-            <a:schemeClr val="accent1"/>
-          </a:solidFill>
-          <a:ln w="6350" algn="ctr">
-            <a:noFill/>
-            <a:miter lim="800000"/>
-            <a:headEnd/>
-            <a:tailEnd/>
-          </a:ln>
-        </p:spPr>
-        <p:txBody>
-          <a:bodyPr lIns="90000" tIns="72000" rIns="90000" bIns="72000" rtlCol="0" anchor="ctr"/>
-          <a:lstStyle/>
-          <a:p>
-            <a:pPr marL="0" marR="0" lvl="0" indent="0" algn="ctr" defTabSz="914400" rtl="0" eaLnBrk="1" fontAlgn="base" latinLnBrk="0" hangingPunct="1">
-              <a:lnSpc>
-                <a:spcPct val="100000"/>
-              </a:lnSpc>
-              <a:spcBef>
-                <a:spcPct val="50000"/>
-              </a:spcBef>
-              <a:spcAft>
-                <a:spcPct val="0"/>
-              </a:spcAft>
-              <a:buClr>
-                <a:srgbClr val="F0AB00"/>
-              </a:buClr>
-              <a:buSzPct val="80000"/>
-              <a:buFontTx/>
-              <a:buNone/>
-              <a:tabLst/>
-              <a:defRPr/>
-            </a:pPr>
-            <a:endParaRPr kumimoji="0" lang="en-US" sz="1800" b="0" i="0" u="none" strike="noStrike" kern="0" cap="none" spc="0" normalizeH="0" baseline="0" noProof="0" dirty="0" err="1">
-              <a:ln>
-                <a:noFill/>
-              </a:ln>
-              <a:solidFill>
-                <a:srgbClr val="FFFFFF"/>
-              </a:solidFill>
-              <a:effectLst/>
-              <a:uLnTx/>
-              <a:uFillTx/>
-              <a:latin typeface="Arial"/>
-              <a:ea typeface="Arial Unicode MS" pitchFamily="34" charset="-128"/>
-              <a:cs typeface="Arial Unicode MS" pitchFamily="34" charset="-128"/>
-            </a:endParaRPr>
-          </a:p>
-        </p:txBody>
-      </p:sp>
-    </p:spTree>
-    <p:extLst>
-      <p:ext uri="{BB962C8B-B14F-4D97-AF65-F5344CB8AC3E}">
-        <p14:creationId xmlns:p14="http://schemas.microsoft.com/office/powerpoint/2010/main" val="1164703336"/>
-      </p:ext>
-    </p:extLst>
-  </p:cSld>
-  <p:clrMapOvr>
-    <a:masterClrMapping/>
-  </p:clrMapOvr>
-</p:sld>
-</file>
-
-<file path=ppt/slides/slide8.xml><?xml version="1.0" encoding="utf-8"?>
-<p:sld xmlns:a="http://schemas.openxmlformats.org/drawingml/2006/main" xmlns:r="http://schemas.openxmlformats.org/officeDocument/2006/relationships" xmlns:p="http://schemas.openxmlformats.org/presentationml/2006/main">
-  <p:cSld>
-    <p:spTree>
-      <p:nvGrpSpPr>
-        <p:cNvPr id="1" name=""/>
-        <p:cNvGrpSpPr/>
-        <p:nvPr/>
-      </p:nvGrpSpPr>
-      <p:grpSpPr>
-        <a:xfrm>
-          <a:off x="0" y="0"/>
-          <a:ext cx="0" cy="0"/>
-          <a:chOff x="0" y="0"/>
-          <a:chExt cx="0" cy="0"/>
-        </a:xfrm>
-      </p:grpSpPr>
-      <p:sp>
-        <p:nvSpPr>
-          <p:cNvPr id="3" name="Title 2"/>
-          <p:cNvSpPr>
-            <a:spLocks noGrp="1"/>
-          </p:cNvSpPr>
-          <p:nvPr>
-            <p:ph type="title"/>
-          </p:nvPr>
-        </p:nvSpPr>
-        <p:spPr/>
-        <p:txBody>
-          <a:bodyPr/>
-          <a:lstStyle/>
-          <a:p>
-            <a:r>
-              <a:rPr lang="en-US" dirty="0"/>
-              <a:t>Demo</a:t>
-            </a:r>
-          </a:p>
-        </p:txBody>
-      </p:sp>
-      <p:pic>
-        <p:nvPicPr>
-          <p:cNvPr id="4" name="Picture 3">
-            <a:extLst>
-              <a:ext uri="{FF2B5EF4-FFF2-40B4-BE49-F238E27FC236}">
-                <a16:creationId xmlns:a16="http://schemas.microsoft.com/office/drawing/2014/main" id="{667C7630-D1BA-44ED-BD0C-E0F24DE56B91}"/>
-              </a:ext>
-            </a:extLst>
-          </p:cNvPr>
-          <p:cNvPicPr>
-            <a:picLocks noChangeAspect="1"/>
-          </p:cNvPicPr>
-          <p:nvPr/>
-        </p:nvPicPr>
-        <p:blipFill>
-          <a:blip r:embed="rId3"/>
-          <a:stretch>
-            <a:fillRect/>
-          </a:stretch>
-        </p:blipFill>
-        <p:spPr>
-          <a:xfrm>
-            <a:off x="3849419" y="1181180"/>
-            <a:ext cx="4495640" cy="4495640"/>
-          </a:xfrm>
-          <a:prstGeom prst="rect">
-            <a:avLst/>
-          </a:prstGeom>
-        </p:spPr>
-      </p:pic>
-    </p:spTree>
-    <p:extLst>
-      <p:ext uri="{BB962C8B-B14F-4D97-AF65-F5344CB8AC3E}">
-        <p14:creationId xmlns:p14="http://schemas.microsoft.com/office/powerpoint/2010/main" val="3545399272"/>
-      </p:ext>
-    </p:extLst>
-  </p:cSld>
-  <p:clrMapOvr>
-    <a:masterClrMapping/>
-  </p:clrMapOvr>
-</p:sld>
-</file>
-
-<file path=ppt/slides/slide9.xml><?xml version="1.0" encoding="utf-8"?>
 <p:sld xmlns:a="http://schemas.openxmlformats.org/drawingml/2006/main" xmlns:r="http://schemas.openxmlformats.org/officeDocument/2006/relationships" xmlns:p="http://schemas.openxmlformats.org/presentationml/2006/main" show="0">
   <p:cSld>
     <p:spTree>
